--- a/boardgames/seafall/map_planner.pptx
+++ b/boardgames/seafall/map_planner.pptx
@@ -2,7 +2,7 @@
 <file path=ppt/presentation.xml><?xml version="1.0" encoding="utf-8"?>
 <p:presentation xmlns:a="http://schemas.openxmlformats.org/drawingml/2006/main" xmlns:r="http://schemas.openxmlformats.org/officeDocument/2006/relationships" xmlns:p="http://schemas.openxmlformats.org/presentationml/2006/main" saveSubsetFonts="1" autoCompressPictures="0">
   <p:sldMasterIdLst>
-    <p:sldMasterId id="2147483660" r:id="rId1"/>
+    <p:sldMasterId id="2147483672" r:id="rId1"/>
   </p:sldMasterIdLst>
   <p:notesMasterIdLst>
     <p:notesMasterId r:id="rId4"/>
@@ -11,7 +11,7 @@
     <p:sldId id="256" r:id="rId2"/>
     <p:sldId id="257" r:id="rId3"/>
   </p:sldIdLst>
-  <p:sldSz cx="9144000" cy="6858000" type="letter"/>
+  <p:sldSz cx="6858000" cy="9144000" type="letter"/>
   <p:notesSz cx="6858000" cy="9144000"/>
   <p:defaultTextStyle>
     <a:defPPr>
@@ -216,8 +216,8 @@
         </p:nvSpPr>
         <p:spPr>
           <a:xfrm>
-            <a:off x="1371600" y="1143000"/>
-            <a:ext cx="4114800" cy="3086100"/>
+            <a:off x="2271713" y="1143000"/>
+            <a:ext cx="2314575" cy="3086100"/>
           </a:xfrm>
           <a:prstGeom prst="rect">
             <a:avLst/>
@@ -495,15 +495,15 @@
         </p:nvSpPr>
         <p:spPr>
           <a:xfrm>
-            <a:off x="685800" y="1122363"/>
-            <a:ext cx="7772400" cy="2387600"/>
+            <a:off x="514350" y="1496484"/>
+            <a:ext cx="5829300" cy="3183467"/>
           </a:xfrm>
         </p:spPr>
         <p:txBody>
           <a:bodyPr anchor="b"/>
           <a:lstStyle>
             <a:lvl1pPr algn="ctr">
-              <a:defRPr sz="6000"/>
+              <a:defRPr sz="4500"/>
             </a:lvl1pPr>
           </a:lstStyle>
           <a:p>
@@ -527,8 +527,8 @@
         </p:nvSpPr>
         <p:spPr>
           <a:xfrm>
-            <a:off x="1143000" y="3602038"/>
-            <a:ext cx="6858000" cy="1655762"/>
+            <a:off x="857250" y="4802717"/>
+            <a:ext cx="5143500" cy="2207683"/>
           </a:xfrm>
         </p:spPr>
         <p:txBody>
@@ -536,39 +536,39 @@
           <a:lstStyle>
             <a:lvl1pPr marL="0" indent="0" algn="ctr">
               <a:buNone/>
-              <a:defRPr sz="2400"/>
+              <a:defRPr sz="1800"/>
             </a:lvl1pPr>
-            <a:lvl2pPr marL="457200" indent="0" algn="ctr">
-              <a:buNone/>
-              <a:defRPr sz="2000"/>
+            <a:lvl2pPr marL="342900" indent="0" algn="ctr">
+              <a:buNone/>
+              <a:defRPr sz="1500"/>
             </a:lvl2pPr>
-            <a:lvl3pPr marL="914400" indent="0" algn="ctr">
-              <a:buNone/>
-              <a:defRPr sz="1800"/>
+            <a:lvl3pPr marL="685800" indent="0" algn="ctr">
+              <a:buNone/>
+              <a:defRPr sz="1350"/>
             </a:lvl3pPr>
-            <a:lvl4pPr marL="1371600" indent="0" algn="ctr">
-              <a:buNone/>
-              <a:defRPr sz="1600"/>
+            <a:lvl4pPr marL="1028700" indent="0" algn="ctr">
+              <a:buNone/>
+              <a:defRPr sz="1200"/>
             </a:lvl4pPr>
-            <a:lvl5pPr marL="1828800" indent="0" algn="ctr">
-              <a:buNone/>
-              <a:defRPr sz="1600"/>
+            <a:lvl5pPr marL="1371600" indent="0" algn="ctr">
+              <a:buNone/>
+              <a:defRPr sz="1200"/>
             </a:lvl5pPr>
-            <a:lvl6pPr marL="2286000" indent="0" algn="ctr">
-              <a:buNone/>
-              <a:defRPr sz="1600"/>
+            <a:lvl6pPr marL="1714500" indent="0" algn="ctr">
+              <a:buNone/>
+              <a:defRPr sz="1200"/>
             </a:lvl6pPr>
-            <a:lvl7pPr marL="2743200" indent="0" algn="ctr">
-              <a:buNone/>
-              <a:defRPr sz="1600"/>
+            <a:lvl7pPr marL="2057400" indent="0" algn="ctr">
+              <a:buNone/>
+              <a:defRPr sz="1200"/>
             </a:lvl7pPr>
-            <a:lvl8pPr marL="3200400" indent="0" algn="ctr">
-              <a:buNone/>
-              <a:defRPr sz="1600"/>
+            <a:lvl8pPr marL="2400300" indent="0" algn="ctr">
+              <a:buNone/>
+              <a:defRPr sz="1200"/>
             </a:lvl8pPr>
-            <a:lvl9pPr marL="3657600" indent="0" algn="ctr">
-              <a:buNone/>
-              <a:defRPr sz="1600"/>
+            <a:lvl9pPr marL="2743200" indent="0" algn="ctr">
+              <a:buNone/>
+              <a:defRPr sz="1200"/>
             </a:lvl9pPr>
           </a:lstStyle>
           <a:p>
@@ -847,8 +847,8 @@
         </p:nvSpPr>
         <p:spPr>
           <a:xfrm>
-            <a:off x="6543675" y="365125"/>
-            <a:ext cx="1971675" cy="5811838"/>
+            <a:off x="4907757" y="486834"/>
+            <a:ext cx="1478756" cy="7749117"/>
           </a:xfrm>
         </p:spPr>
         <p:txBody>
@@ -875,8 +875,8 @@
         </p:nvSpPr>
         <p:spPr>
           <a:xfrm>
-            <a:off x="628650" y="365125"/>
-            <a:ext cx="5800725" cy="5811838"/>
+            <a:off x="471488" y="486834"/>
+            <a:ext cx="4350544" cy="7749117"/>
           </a:xfrm>
         </p:spPr>
         <p:txBody>
@@ -1187,15 +1187,15 @@
         </p:nvSpPr>
         <p:spPr>
           <a:xfrm>
-            <a:off x="623888" y="1709739"/>
-            <a:ext cx="7886700" cy="2852737"/>
+            <a:off x="467916" y="2279653"/>
+            <a:ext cx="5915025" cy="3803649"/>
           </a:xfrm>
         </p:spPr>
         <p:txBody>
           <a:bodyPr anchor="b"/>
           <a:lstStyle>
             <a:lvl1pPr>
-              <a:defRPr sz="6000"/>
+              <a:defRPr sz="4500"/>
             </a:lvl1pPr>
           </a:lstStyle>
           <a:p>
@@ -1219,8 +1219,8 @@
         </p:nvSpPr>
         <p:spPr>
           <a:xfrm>
-            <a:off x="623888" y="4589464"/>
-            <a:ext cx="7886700" cy="1500187"/>
+            <a:off x="467916" y="6119286"/>
+            <a:ext cx="5915025" cy="2000249"/>
           </a:xfrm>
         </p:spPr>
         <p:txBody>
@@ -1228,15 +1228,15 @@
           <a:lstStyle>
             <a:lvl1pPr marL="0" indent="0">
               <a:buNone/>
-              <a:defRPr sz="2400">
+              <a:defRPr sz="1800">
                 <a:solidFill>
                   <a:schemeClr val="tx1"/>
                 </a:solidFill>
               </a:defRPr>
             </a:lvl1pPr>
-            <a:lvl2pPr marL="457200" indent="0">
-              <a:buNone/>
-              <a:defRPr sz="2000">
+            <a:lvl2pPr marL="342900" indent="0">
+              <a:buNone/>
+              <a:defRPr sz="1500">
                 <a:solidFill>
                   <a:schemeClr val="tx1">
                     <a:tint val="75000"/>
@@ -1244,9 +1244,9 @@
                 </a:solidFill>
               </a:defRPr>
             </a:lvl2pPr>
-            <a:lvl3pPr marL="914400" indent="0">
-              <a:buNone/>
-              <a:defRPr sz="1800">
+            <a:lvl3pPr marL="685800" indent="0">
+              <a:buNone/>
+              <a:defRPr sz="1350">
                 <a:solidFill>
                   <a:schemeClr val="tx1">
                     <a:tint val="75000"/>
@@ -1254,9 +1254,9 @@
                 </a:solidFill>
               </a:defRPr>
             </a:lvl3pPr>
-            <a:lvl4pPr marL="1371600" indent="0">
-              <a:buNone/>
-              <a:defRPr sz="1600">
+            <a:lvl4pPr marL="1028700" indent="0">
+              <a:buNone/>
+              <a:defRPr sz="1200">
                 <a:solidFill>
                   <a:schemeClr val="tx1">
                     <a:tint val="75000"/>
@@ -1264,9 +1264,9 @@
                 </a:solidFill>
               </a:defRPr>
             </a:lvl4pPr>
-            <a:lvl5pPr marL="1828800" indent="0">
-              <a:buNone/>
-              <a:defRPr sz="1600">
+            <a:lvl5pPr marL="1371600" indent="0">
+              <a:buNone/>
+              <a:defRPr sz="1200">
                 <a:solidFill>
                   <a:schemeClr val="tx1">
                     <a:tint val="75000"/>
@@ -1274,9 +1274,9 @@
                 </a:solidFill>
               </a:defRPr>
             </a:lvl5pPr>
-            <a:lvl6pPr marL="2286000" indent="0">
-              <a:buNone/>
-              <a:defRPr sz="1600">
+            <a:lvl6pPr marL="1714500" indent="0">
+              <a:buNone/>
+              <a:defRPr sz="1200">
                 <a:solidFill>
                   <a:schemeClr val="tx1">
                     <a:tint val="75000"/>
@@ -1284,9 +1284,9 @@
                 </a:solidFill>
               </a:defRPr>
             </a:lvl6pPr>
-            <a:lvl7pPr marL="2743200" indent="0">
-              <a:buNone/>
-              <a:defRPr sz="1600">
+            <a:lvl7pPr marL="2057400" indent="0">
+              <a:buNone/>
+              <a:defRPr sz="1200">
                 <a:solidFill>
                   <a:schemeClr val="tx1">
                     <a:tint val="75000"/>
@@ -1294,9 +1294,9 @@
                 </a:solidFill>
               </a:defRPr>
             </a:lvl7pPr>
-            <a:lvl8pPr marL="3200400" indent="0">
-              <a:buNone/>
-              <a:defRPr sz="1600">
+            <a:lvl8pPr marL="2400300" indent="0">
+              <a:buNone/>
+              <a:defRPr sz="1200">
                 <a:solidFill>
                   <a:schemeClr val="tx1">
                     <a:tint val="75000"/>
@@ -1304,9 +1304,9 @@
                 </a:solidFill>
               </a:defRPr>
             </a:lvl8pPr>
-            <a:lvl9pPr marL="3657600" indent="0">
-              <a:buNone/>
-              <a:defRPr sz="1600">
+            <a:lvl9pPr marL="2743200" indent="0">
+              <a:buNone/>
+              <a:defRPr sz="1200">
                 <a:solidFill>
                   <a:schemeClr val="tx1">
                     <a:tint val="75000"/>
@@ -1449,8 +1449,8 @@
         </p:nvSpPr>
         <p:spPr>
           <a:xfrm>
-            <a:off x="628650" y="1825625"/>
-            <a:ext cx="3886200" cy="4351338"/>
+            <a:off x="471488" y="2434167"/>
+            <a:ext cx="2914650" cy="5801784"/>
           </a:xfrm>
         </p:spPr>
         <p:txBody>
@@ -1506,8 +1506,8 @@
         </p:nvSpPr>
         <p:spPr>
           <a:xfrm>
-            <a:off x="4629150" y="1825625"/>
-            <a:ext cx="3886200" cy="4351338"/>
+            <a:off x="3471863" y="2434167"/>
+            <a:ext cx="2914650" cy="5801784"/>
           </a:xfrm>
         </p:spPr>
         <p:txBody>
@@ -1653,8 +1653,8 @@
         </p:nvSpPr>
         <p:spPr>
           <a:xfrm>
-            <a:off x="629841" y="365126"/>
-            <a:ext cx="7886700" cy="1325563"/>
+            <a:off x="472381" y="486836"/>
+            <a:ext cx="5915025" cy="1767417"/>
           </a:xfrm>
         </p:spPr>
         <p:txBody>
@@ -1681,8 +1681,8 @@
         </p:nvSpPr>
         <p:spPr>
           <a:xfrm>
-            <a:off x="629842" y="1681163"/>
-            <a:ext cx="3868340" cy="823912"/>
+            <a:off x="472381" y="2241551"/>
+            <a:ext cx="2901255" cy="1098549"/>
           </a:xfrm>
         </p:spPr>
         <p:txBody>
@@ -1690,39 +1690,39 @@
           <a:lstStyle>
             <a:lvl1pPr marL="0" indent="0">
               <a:buNone/>
-              <a:defRPr sz="2400" b="1"/>
+              <a:defRPr sz="1800" b="1"/>
             </a:lvl1pPr>
-            <a:lvl2pPr marL="457200" indent="0">
-              <a:buNone/>
-              <a:defRPr sz="2000" b="1"/>
+            <a:lvl2pPr marL="342900" indent="0">
+              <a:buNone/>
+              <a:defRPr sz="1500" b="1"/>
             </a:lvl2pPr>
-            <a:lvl3pPr marL="914400" indent="0">
-              <a:buNone/>
-              <a:defRPr sz="1800" b="1"/>
+            <a:lvl3pPr marL="685800" indent="0">
+              <a:buNone/>
+              <a:defRPr sz="1350" b="1"/>
             </a:lvl3pPr>
-            <a:lvl4pPr marL="1371600" indent="0">
-              <a:buNone/>
-              <a:defRPr sz="1600" b="1"/>
+            <a:lvl4pPr marL="1028700" indent="0">
+              <a:buNone/>
+              <a:defRPr sz="1200" b="1"/>
             </a:lvl4pPr>
-            <a:lvl5pPr marL="1828800" indent="0">
-              <a:buNone/>
-              <a:defRPr sz="1600" b="1"/>
+            <a:lvl5pPr marL="1371600" indent="0">
+              <a:buNone/>
+              <a:defRPr sz="1200" b="1"/>
             </a:lvl5pPr>
-            <a:lvl6pPr marL="2286000" indent="0">
-              <a:buNone/>
-              <a:defRPr sz="1600" b="1"/>
+            <a:lvl6pPr marL="1714500" indent="0">
+              <a:buNone/>
+              <a:defRPr sz="1200" b="1"/>
             </a:lvl6pPr>
-            <a:lvl7pPr marL="2743200" indent="0">
-              <a:buNone/>
-              <a:defRPr sz="1600" b="1"/>
+            <a:lvl7pPr marL="2057400" indent="0">
+              <a:buNone/>
+              <a:defRPr sz="1200" b="1"/>
             </a:lvl7pPr>
-            <a:lvl8pPr marL="3200400" indent="0">
-              <a:buNone/>
-              <a:defRPr sz="1600" b="1"/>
+            <a:lvl8pPr marL="2400300" indent="0">
+              <a:buNone/>
+              <a:defRPr sz="1200" b="1"/>
             </a:lvl8pPr>
-            <a:lvl9pPr marL="3657600" indent="0">
-              <a:buNone/>
-              <a:defRPr sz="1600" b="1"/>
+            <a:lvl9pPr marL="2743200" indent="0">
+              <a:buNone/>
+              <a:defRPr sz="1200" b="1"/>
             </a:lvl9pPr>
           </a:lstStyle>
           <a:p>
@@ -1746,8 +1746,8 @@
         </p:nvSpPr>
         <p:spPr>
           <a:xfrm>
-            <a:off x="629842" y="2505075"/>
-            <a:ext cx="3868340" cy="3684588"/>
+            <a:off x="472381" y="3340100"/>
+            <a:ext cx="2901255" cy="4912784"/>
           </a:xfrm>
         </p:spPr>
         <p:txBody>
@@ -1803,8 +1803,8 @@
         </p:nvSpPr>
         <p:spPr>
           <a:xfrm>
-            <a:off x="4629150" y="1681163"/>
-            <a:ext cx="3887391" cy="823912"/>
+            <a:off x="3471863" y="2241551"/>
+            <a:ext cx="2915543" cy="1098549"/>
           </a:xfrm>
         </p:spPr>
         <p:txBody>
@@ -1812,39 +1812,39 @@
           <a:lstStyle>
             <a:lvl1pPr marL="0" indent="0">
               <a:buNone/>
-              <a:defRPr sz="2400" b="1"/>
+              <a:defRPr sz="1800" b="1"/>
             </a:lvl1pPr>
-            <a:lvl2pPr marL="457200" indent="0">
-              <a:buNone/>
-              <a:defRPr sz="2000" b="1"/>
+            <a:lvl2pPr marL="342900" indent="0">
+              <a:buNone/>
+              <a:defRPr sz="1500" b="1"/>
             </a:lvl2pPr>
-            <a:lvl3pPr marL="914400" indent="0">
-              <a:buNone/>
-              <a:defRPr sz="1800" b="1"/>
+            <a:lvl3pPr marL="685800" indent="0">
+              <a:buNone/>
+              <a:defRPr sz="1350" b="1"/>
             </a:lvl3pPr>
-            <a:lvl4pPr marL="1371600" indent="0">
-              <a:buNone/>
-              <a:defRPr sz="1600" b="1"/>
+            <a:lvl4pPr marL="1028700" indent="0">
+              <a:buNone/>
+              <a:defRPr sz="1200" b="1"/>
             </a:lvl4pPr>
-            <a:lvl5pPr marL="1828800" indent="0">
-              <a:buNone/>
-              <a:defRPr sz="1600" b="1"/>
+            <a:lvl5pPr marL="1371600" indent="0">
+              <a:buNone/>
+              <a:defRPr sz="1200" b="1"/>
             </a:lvl5pPr>
-            <a:lvl6pPr marL="2286000" indent="0">
-              <a:buNone/>
-              <a:defRPr sz="1600" b="1"/>
+            <a:lvl6pPr marL="1714500" indent="0">
+              <a:buNone/>
+              <a:defRPr sz="1200" b="1"/>
             </a:lvl6pPr>
-            <a:lvl7pPr marL="2743200" indent="0">
-              <a:buNone/>
-              <a:defRPr sz="1600" b="1"/>
+            <a:lvl7pPr marL="2057400" indent="0">
+              <a:buNone/>
+              <a:defRPr sz="1200" b="1"/>
             </a:lvl7pPr>
-            <a:lvl8pPr marL="3200400" indent="0">
-              <a:buNone/>
-              <a:defRPr sz="1600" b="1"/>
+            <a:lvl8pPr marL="2400300" indent="0">
+              <a:buNone/>
+              <a:defRPr sz="1200" b="1"/>
             </a:lvl8pPr>
-            <a:lvl9pPr marL="3657600" indent="0">
-              <a:buNone/>
-              <a:defRPr sz="1600" b="1"/>
+            <a:lvl9pPr marL="2743200" indent="0">
+              <a:buNone/>
+              <a:defRPr sz="1200" b="1"/>
             </a:lvl9pPr>
           </a:lstStyle>
           <a:p>
@@ -1868,8 +1868,8 @@
         </p:nvSpPr>
         <p:spPr>
           <a:xfrm>
-            <a:off x="4629150" y="2505075"/>
-            <a:ext cx="3887391" cy="3684588"/>
+            <a:off x="3471863" y="3340100"/>
+            <a:ext cx="2915543" cy="4912784"/>
           </a:xfrm>
         </p:spPr>
         <p:txBody>
@@ -2218,15 +2218,15 @@
         </p:nvSpPr>
         <p:spPr>
           <a:xfrm>
-            <a:off x="629841" y="457200"/>
-            <a:ext cx="2949178" cy="1600200"/>
+            <a:off x="472381" y="609600"/>
+            <a:ext cx="2211884" cy="2133600"/>
           </a:xfrm>
         </p:spPr>
         <p:txBody>
           <a:bodyPr anchor="b"/>
           <a:lstStyle>
             <a:lvl1pPr>
-              <a:defRPr sz="3200"/>
+              <a:defRPr sz="2400"/>
             </a:lvl1pPr>
           </a:lstStyle>
           <a:p>
@@ -2250,39 +2250,39 @@
         </p:nvSpPr>
         <p:spPr>
           <a:xfrm>
-            <a:off x="3887391" y="987426"/>
-            <a:ext cx="4629150" cy="4873625"/>
+            <a:off x="2915543" y="1316569"/>
+            <a:ext cx="3471863" cy="6498167"/>
           </a:xfrm>
         </p:spPr>
         <p:txBody>
           <a:bodyPr/>
           <a:lstStyle>
             <a:lvl1pPr>
-              <a:defRPr sz="3200"/>
+              <a:defRPr sz="2400"/>
             </a:lvl1pPr>
             <a:lvl2pPr>
-              <a:defRPr sz="2800"/>
+              <a:defRPr sz="2100"/>
             </a:lvl2pPr>
             <a:lvl3pPr>
-              <a:defRPr sz="2400"/>
+              <a:defRPr sz="1800"/>
             </a:lvl3pPr>
             <a:lvl4pPr>
-              <a:defRPr sz="2000"/>
+              <a:defRPr sz="1500"/>
             </a:lvl4pPr>
             <a:lvl5pPr>
-              <a:defRPr sz="2000"/>
+              <a:defRPr sz="1500"/>
             </a:lvl5pPr>
             <a:lvl6pPr>
-              <a:defRPr sz="2000"/>
+              <a:defRPr sz="1500"/>
             </a:lvl6pPr>
             <a:lvl7pPr>
-              <a:defRPr sz="2000"/>
+              <a:defRPr sz="1500"/>
             </a:lvl7pPr>
             <a:lvl8pPr>
-              <a:defRPr sz="2000"/>
+              <a:defRPr sz="1500"/>
             </a:lvl8pPr>
             <a:lvl9pPr>
-              <a:defRPr sz="2000"/>
+              <a:defRPr sz="1500"/>
             </a:lvl9pPr>
           </a:lstStyle>
           <a:p>
@@ -2335,8 +2335,8 @@
         </p:nvSpPr>
         <p:spPr>
           <a:xfrm>
-            <a:off x="629841" y="2057400"/>
-            <a:ext cx="2949178" cy="3811588"/>
+            <a:off x="472381" y="2743200"/>
+            <a:ext cx="2211884" cy="5082117"/>
           </a:xfrm>
         </p:spPr>
         <p:txBody>
@@ -2344,39 +2344,39 @@
           <a:lstStyle>
             <a:lvl1pPr marL="0" indent="0">
               <a:buNone/>
-              <a:defRPr sz="1600"/>
+              <a:defRPr sz="1200"/>
             </a:lvl1pPr>
-            <a:lvl2pPr marL="457200" indent="0">
-              <a:buNone/>
-              <a:defRPr sz="1400"/>
+            <a:lvl2pPr marL="342900" indent="0">
+              <a:buNone/>
+              <a:defRPr sz="1050"/>
             </a:lvl2pPr>
-            <a:lvl3pPr marL="914400" indent="0">
-              <a:buNone/>
-              <a:defRPr sz="1200"/>
+            <a:lvl3pPr marL="685800" indent="0">
+              <a:buNone/>
+              <a:defRPr sz="900"/>
             </a:lvl3pPr>
-            <a:lvl4pPr marL="1371600" indent="0">
-              <a:buNone/>
-              <a:defRPr sz="1000"/>
+            <a:lvl4pPr marL="1028700" indent="0">
+              <a:buNone/>
+              <a:defRPr sz="750"/>
             </a:lvl4pPr>
-            <a:lvl5pPr marL="1828800" indent="0">
-              <a:buNone/>
-              <a:defRPr sz="1000"/>
+            <a:lvl5pPr marL="1371600" indent="0">
+              <a:buNone/>
+              <a:defRPr sz="750"/>
             </a:lvl5pPr>
-            <a:lvl6pPr marL="2286000" indent="0">
-              <a:buNone/>
-              <a:defRPr sz="1000"/>
+            <a:lvl6pPr marL="1714500" indent="0">
+              <a:buNone/>
+              <a:defRPr sz="750"/>
             </a:lvl6pPr>
-            <a:lvl7pPr marL="2743200" indent="0">
-              <a:buNone/>
-              <a:defRPr sz="1000"/>
+            <a:lvl7pPr marL="2057400" indent="0">
+              <a:buNone/>
+              <a:defRPr sz="750"/>
             </a:lvl7pPr>
-            <a:lvl8pPr marL="3200400" indent="0">
-              <a:buNone/>
-              <a:defRPr sz="1000"/>
+            <a:lvl8pPr marL="2400300" indent="0">
+              <a:buNone/>
+              <a:defRPr sz="750"/>
             </a:lvl8pPr>
-            <a:lvl9pPr marL="3657600" indent="0">
-              <a:buNone/>
-              <a:defRPr sz="1000"/>
+            <a:lvl9pPr marL="2743200" indent="0">
+              <a:buNone/>
+              <a:defRPr sz="750"/>
             </a:lvl9pPr>
           </a:lstStyle>
           <a:p>
@@ -2490,15 +2490,15 @@
         </p:nvSpPr>
         <p:spPr>
           <a:xfrm>
-            <a:off x="629841" y="457200"/>
-            <a:ext cx="2949178" cy="1600200"/>
+            <a:off x="472381" y="609600"/>
+            <a:ext cx="2211884" cy="2133600"/>
           </a:xfrm>
         </p:spPr>
         <p:txBody>
           <a:bodyPr anchor="b"/>
           <a:lstStyle>
             <a:lvl1pPr>
-              <a:defRPr sz="3200"/>
+              <a:defRPr sz="2400"/>
             </a:lvl1pPr>
           </a:lstStyle>
           <a:p>
@@ -2522,8 +2522,8 @@
         </p:nvSpPr>
         <p:spPr>
           <a:xfrm>
-            <a:off x="3887391" y="987426"/>
-            <a:ext cx="4629150" cy="4873625"/>
+            <a:off x="2915543" y="1316569"/>
+            <a:ext cx="3471863" cy="6498167"/>
           </a:xfrm>
         </p:spPr>
         <p:txBody>
@@ -2531,39 +2531,39 @@
           <a:lstStyle>
             <a:lvl1pPr marL="0" indent="0">
               <a:buNone/>
-              <a:defRPr sz="3200"/>
+              <a:defRPr sz="2400"/>
             </a:lvl1pPr>
-            <a:lvl2pPr marL="457200" indent="0">
-              <a:buNone/>
-              <a:defRPr sz="2800"/>
+            <a:lvl2pPr marL="342900" indent="0">
+              <a:buNone/>
+              <a:defRPr sz="2100"/>
             </a:lvl2pPr>
-            <a:lvl3pPr marL="914400" indent="0">
-              <a:buNone/>
-              <a:defRPr sz="2400"/>
+            <a:lvl3pPr marL="685800" indent="0">
+              <a:buNone/>
+              <a:defRPr sz="1800"/>
             </a:lvl3pPr>
-            <a:lvl4pPr marL="1371600" indent="0">
-              <a:buNone/>
-              <a:defRPr sz="2000"/>
+            <a:lvl4pPr marL="1028700" indent="0">
+              <a:buNone/>
+              <a:defRPr sz="1500"/>
             </a:lvl4pPr>
-            <a:lvl5pPr marL="1828800" indent="0">
-              <a:buNone/>
-              <a:defRPr sz="2000"/>
+            <a:lvl5pPr marL="1371600" indent="0">
+              <a:buNone/>
+              <a:defRPr sz="1500"/>
             </a:lvl5pPr>
-            <a:lvl6pPr marL="2286000" indent="0">
-              <a:buNone/>
-              <a:defRPr sz="2000"/>
+            <a:lvl6pPr marL="1714500" indent="0">
+              <a:buNone/>
+              <a:defRPr sz="1500"/>
             </a:lvl6pPr>
-            <a:lvl7pPr marL="2743200" indent="0">
-              <a:buNone/>
-              <a:defRPr sz="2000"/>
+            <a:lvl7pPr marL="2057400" indent="0">
+              <a:buNone/>
+              <a:defRPr sz="1500"/>
             </a:lvl7pPr>
-            <a:lvl8pPr marL="3200400" indent="0">
-              <a:buNone/>
-              <a:defRPr sz="2000"/>
+            <a:lvl8pPr marL="2400300" indent="0">
+              <a:buNone/>
+              <a:defRPr sz="1500"/>
             </a:lvl8pPr>
-            <a:lvl9pPr marL="3657600" indent="0">
-              <a:buNone/>
-              <a:defRPr sz="2000"/>
+            <a:lvl9pPr marL="2743200" indent="0">
+              <a:buNone/>
+              <a:defRPr sz="1500"/>
             </a:lvl9pPr>
           </a:lstStyle>
           <a:p>
@@ -2587,8 +2587,8 @@
         </p:nvSpPr>
         <p:spPr>
           <a:xfrm>
-            <a:off x="629841" y="2057400"/>
-            <a:ext cx="2949178" cy="3811588"/>
+            <a:off x="472381" y="2743200"/>
+            <a:ext cx="2211884" cy="5082117"/>
           </a:xfrm>
         </p:spPr>
         <p:txBody>
@@ -2596,39 +2596,39 @@
           <a:lstStyle>
             <a:lvl1pPr marL="0" indent="0">
               <a:buNone/>
-              <a:defRPr sz="1600"/>
+              <a:defRPr sz="1200"/>
             </a:lvl1pPr>
-            <a:lvl2pPr marL="457200" indent="0">
-              <a:buNone/>
-              <a:defRPr sz="1400"/>
+            <a:lvl2pPr marL="342900" indent="0">
+              <a:buNone/>
+              <a:defRPr sz="1050"/>
             </a:lvl2pPr>
-            <a:lvl3pPr marL="914400" indent="0">
-              <a:buNone/>
-              <a:defRPr sz="1200"/>
+            <a:lvl3pPr marL="685800" indent="0">
+              <a:buNone/>
+              <a:defRPr sz="900"/>
             </a:lvl3pPr>
-            <a:lvl4pPr marL="1371600" indent="0">
-              <a:buNone/>
-              <a:defRPr sz="1000"/>
+            <a:lvl4pPr marL="1028700" indent="0">
+              <a:buNone/>
+              <a:defRPr sz="750"/>
             </a:lvl4pPr>
-            <a:lvl5pPr marL="1828800" indent="0">
-              <a:buNone/>
-              <a:defRPr sz="1000"/>
+            <a:lvl5pPr marL="1371600" indent="0">
+              <a:buNone/>
+              <a:defRPr sz="750"/>
             </a:lvl5pPr>
-            <a:lvl6pPr marL="2286000" indent="0">
-              <a:buNone/>
-              <a:defRPr sz="1000"/>
+            <a:lvl6pPr marL="1714500" indent="0">
+              <a:buNone/>
+              <a:defRPr sz="750"/>
             </a:lvl6pPr>
-            <a:lvl7pPr marL="2743200" indent="0">
-              <a:buNone/>
-              <a:defRPr sz="1000"/>
+            <a:lvl7pPr marL="2057400" indent="0">
+              <a:buNone/>
+              <a:defRPr sz="750"/>
             </a:lvl7pPr>
-            <a:lvl8pPr marL="3200400" indent="0">
-              <a:buNone/>
-              <a:defRPr sz="1000"/>
+            <a:lvl8pPr marL="2400300" indent="0">
+              <a:buNone/>
+              <a:defRPr sz="750"/>
             </a:lvl8pPr>
-            <a:lvl9pPr marL="3657600" indent="0">
-              <a:buNone/>
-              <a:defRPr sz="1000"/>
+            <a:lvl9pPr marL="2743200" indent="0">
+              <a:buNone/>
+              <a:defRPr sz="750"/>
             </a:lvl9pPr>
           </a:lstStyle>
           <a:p>
@@ -2747,8 +2747,8 @@
         </p:nvSpPr>
         <p:spPr>
           <a:xfrm>
-            <a:off x="628650" y="365126"/>
-            <a:ext cx="7886700" cy="1325563"/>
+            <a:off x="471488" y="486836"/>
+            <a:ext cx="5915025" cy="1767417"/>
           </a:xfrm>
           <a:prstGeom prst="rect">
             <a:avLst/>
@@ -2780,8 +2780,8 @@
         </p:nvSpPr>
         <p:spPr>
           <a:xfrm>
-            <a:off x="628650" y="1825625"/>
-            <a:ext cx="7886700" cy="4351338"/>
+            <a:off x="471488" y="2434167"/>
+            <a:ext cx="5915025" cy="5801784"/>
           </a:xfrm>
           <a:prstGeom prst="rect">
             <a:avLst/>
@@ -2842,8 +2842,8 @@
         </p:nvSpPr>
         <p:spPr>
           <a:xfrm>
-            <a:off x="628650" y="6356351"/>
-            <a:ext cx="2057400" cy="365125"/>
+            <a:off x="471488" y="8475136"/>
+            <a:ext cx="1543050" cy="486833"/>
           </a:xfrm>
           <a:prstGeom prst="rect">
             <a:avLst/>
@@ -2853,7 +2853,7 @@
           <a:bodyPr vert="horz" lIns="91440" tIns="45720" rIns="91440" bIns="45720" rtlCol="0" anchor="ctr"/>
           <a:lstStyle>
             <a:lvl1pPr algn="l">
-              <a:defRPr sz="1200">
+              <a:defRPr sz="900">
                 <a:solidFill>
                   <a:schemeClr val="tx1">
                     <a:tint val="75000"/>
@@ -2883,8 +2883,8 @@
         </p:nvSpPr>
         <p:spPr>
           <a:xfrm>
-            <a:off x="3028950" y="6356351"/>
-            <a:ext cx="3086100" cy="365125"/>
+            <a:off x="2271713" y="8475136"/>
+            <a:ext cx="2314575" cy="486833"/>
           </a:xfrm>
           <a:prstGeom prst="rect">
             <a:avLst/>
@@ -2894,7 +2894,7 @@
           <a:bodyPr vert="horz" lIns="91440" tIns="45720" rIns="91440" bIns="45720" rtlCol="0" anchor="ctr"/>
           <a:lstStyle>
             <a:lvl1pPr algn="ctr">
-              <a:defRPr sz="1200">
+              <a:defRPr sz="900">
                 <a:solidFill>
                   <a:schemeClr val="tx1">
                     <a:tint val="75000"/>
@@ -2920,8 +2920,8 @@
         </p:nvSpPr>
         <p:spPr>
           <a:xfrm>
-            <a:off x="6457950" y="6356351"/>
-            <a:ext cx="2057400" cy="365125"/>
+            <a:off x="4843463" y="8475136"/>
+            <a:ext cx="1543050" cy="486833"/>
           </a:xfrm>
           <a:prstGeom prst="rect">
             <a:avLst/>
@@ -2931,7 +2931,7 @@
           <a:bodyPr vert="horz" lIns="91440" tIns="45720" rIns="91440" bIns="45720" rtlCol="0" anchor="ctr"/>
           <a:lstStyle>
             <a:lvl1pPr algn="r">
-              <a:defRPr sz="1200">
+              <a:defRPr sz="900">
                 <a:solidFill>
                   <a:schemeClr val="tx1">
                     <a:tint val="75000"/>
@@ -2952,27 +2952,27 @@
     </p:spTree>
     <p:extLst>
       <p:ext uri="{BB962C8B-B14F-4D97-AF65-F5344CB8AC3E}">
-        <p14:creationId xmlns:p14="http://schemas.microsoft.com/office/powerpoint/2010/main" val="982289829"/>
+        <p14:creationId xmlns:p14="http://schemas.microsoft.com/office/powerpoint/2010/main" val="1337773525"/>
       </p:ext>
     </p:extLst>
   </p:cSld>
   <p:clrMap bg1="lt1" tx1="dk1" bg2="lt2" tx2="dk2" accent1="accent1" accent2="accent2" accent3="accent3" accent4="accent4" accent5="accent5" accent6="accent6" hlink="hlink" folHlink="folHlink"/>
   <p:sldLayoutIdLst>
-    <p:sldLayoutId id="2147483661" r:id="rId1"/>
-    <p:sldLayoutId id="2147483662" r:id="rId2"/>
-    <p:sldLayoutId id="2147483663" r:id="rId3"/>
-    <p:sldLayoutId id="2147483664" r:id="rId4"/>
-    <p:sldLayoutId id="2147483665" r:id="rId5"/>
-    <p:sldLayoutId id="2147483666" r:id="rId6"/>
-    <p:sldLayoutId id="2147483667" r:id="rId7"/>
-    <p:sldLayoutId id="2147483668" r:id="rId8"/>
-    <p:sldLayoutId id="2147483669" r:id="rId9"/>
-    <p:sldLayoutId id="2147483670" r:id="rId10"/>
-    <p:sldLayoutId id="2147483671" r:id="rId11"/>
+    <p:sldLayoutId id="2147483673" r:id="rId1"/>
+    <p:sldLayoutId id="2147483674" r:id="rId2"/>
+    <p:sldLayoutId id="2147483675" r:id="rId3"/>
+    <p:sldLayoutId id="2147483676" r:id="rId4"/>
+    <p:sldLayoutId id="2147483677" r:id="rId5"/>
+    <p:sldLayoutId id="2147483678" r:id="rId6"/>
+    <p:sldLayoutId id="2147483679" r:id="rId7"/>
+    <p:sldLayoutId id="2147483680" r:id="rId8"/>
+    <p:sldLayoutId id="2147483681" r:id="rId9"/>
+    <p:sldLayoutId id="2147483682" r:id="rId10"/>
+    <p:sldLayoutId id="2147483683" r:id="rId11"/>
   </p:sldLayoutIdLst>
   <p:txStyles>
     <p:titleStyle>
-      <a:lvl1pPr algn="l" defTabSz="914400" rtl="0" eaLnBrk="1" latinLnBrk="0" hangingPunct="1">
+      <a:lvl1pPr algn="l" defTabSz="685800" rtl="0" eaLnBrk="1" latinLnBrk="0" hangingPunct="1">
         <a:lnSpc>
           <a:spcPct val="90000"/>
         </a:lnSpc>
@@ -2980,7 +2980,7 @@
           <a:spcPct val="0"/>
         </a:spcBef>
         <a:buNone/>
-        <a:defRPr sz="4400" kern="1200">
+        <a:defRPr sz="3300" kern="1200">
           <a:solidFill>
             <a:schemeClr val="tx1"/>
           </a:solidFill>
@@ -2991,16 +2991,16 @@
       </a:lvl1pPr>
     </p:titleStyle>
     <p:bodyStyle>
-      <a:lvl1pPr marL="228600" indent="-228600" algn="l" defTabSz="914400" rtl="0" eaLnBrk="1" latinLnBrk="0" hangingPunct="1">
+      <a:lvl1pPr marL="171450" indent="-171450" algn="l" defTabSz="685800" rtl="0" eaLnBrk="1" latinLnBrk="0" hangingPunct="1">
         <a:lnSpc>
           <a:spcPct val="90000"/>
         </a:lnSpc>
         <a:spcBef>
-          <a:spcPts val="1000"/>
+          <a:spcPts val="750"/>
         </a:spcBef>
         <a:buFont typeface="Arial" panose="020B0604020202020204" pitchFamily="34" charset="0"/>
         <a:buChar char="•"/>
-        <a:defRPr sz="2800" kern="1200">
+        <a:defRPr sz="2100" kern="1200">
           <a:solidFill>
             <a:schemeClr val="tx1"/>
           </a:solidFill>
@@ -3009,48 +3009,12 @@
           <a:cs typeface="+mn-cs"/>
         </a:defRPr>
       </a:lvl1pPr>
-      <a:lvl2pPr marL="685800" indent="-228600" algn="l" defTabSz="914400" rtl="0" eaLnBrk="1" latinLnBrk="0" hangingPunct="1">
+      <a:lvl2pPr marL="514350" indent="-171450" algn="l" defTabSz="685800" rtl="0" eaLnBrk="1" latinLnBrk="0" hangingPunct="1">
         <a:lnSpc>
           <a:spcPct val="90000"/>
         </a:lnSpc>
         <a:spcBef>
-          <a:spcPts val="500"/>
-        </a:spcBef>
-        <a:buFont typeface="Arial" panose="020B0604020202020204" pitchFamily="34" charset="0"/>
-        <a:buChar char="•"/>
-        <a:defRPr sz="2400" kern="1200">
-          <a:solidFill>
-            <a:schemeClr val="tx1"/>
-          </a:solidFill>
-          <a:latin typeface="+mn-lt"/>
-          <a:ea typeface="+mn-ea"/>
-          <a:cs typeface="+mn-cs"/>
-        </a:defRPr>
-      </a:lvl2pPr>
-      <a:lvl3pPr marL="1143000" indent="-228600" algn="l" defTabSz="914400" rtl="0" eaLnBrk="1" latinLnBrk="0" hangingPunct="1">
-        <a:lnSpc>
-          <a:spcPct val="90000"/>
-        </a:lnSpc>
-        <a:spcBef>
-          <a:spcPts val="500"/>
-        </a:spcBef>
-        <a:buFont typeface="Arial" panose="020B0604020202020204" pitchFamily="34" charset="0"/>
-        <a:buChar char="•"/>
-        <a:defRPr sz="2000" kern="1200">
-          <a:solidFill>
-            <a:schemeClr val="tx1"/>
-          </a:solidFill>
-          <a:latin typeface="+mn-lt"/>
-          <a:ea typeface="+mn-ea"/>
-          <a:cs typeface="+mn-cs"/>
-        </a:defRPr>
-      </a:lvl3pPr>
-      <a:lvl4pPr marL="1600200" indent="-228600" algn="l" defTabSz="914400" rtl="0" eaLnBrk="1" latinLnBrk="0" hangingPunct="1">
-        <a:lnSpc>
-          <a:spcPct val="90000"/>
-        </a:lnSpc>
-        <a:spcBef>
-          <a:spcPts val="500"/>
+          <a:spcPts val="375"/>
         </a:spcBef>
         <a:buFont typeface="Arial" panose="020B0604020202020204" pitchFamily="34" charset="0"/>
         <a:buChar char="•"/>
@@ -3062,17 +3026,53 @@
           <a:ea typeface="+mn-ea"/>
           <a:cs typeface="+mn-cs"/>
         </a:defRPr>
-      </a:lvl4pPr>
-      <a:lvl5pPr marL="2057400" indent="-228600" algn="l" defTabSz="914400" rtl="0" eaLnBrk="1" latinLnBrk="0" hangingPunct="1">
+      </a:lvl2pPr>
+      <a:lvl3pPr marL="857250" indent="-171450" algn="l" defTabSz="685800" rtl="0" eaLnBrk="1" latinLnBrk="0" hangingPunct="1">
         <a:lnSpc>
           <a:spcPct val="90000"/>
         </a:lnSpc>
         <a:spcBef>
-          <a:spcPts val="500"/>
+          <a:spcPts val="375"/>
         </a:spcBef>
         <a:buFont typeface="Arial" panose="020B0604020202020204" pitchFamily="34" charset="0"/>
         <a:buChar char="•"/>
-        <a:defRPr sz="1800" kern="1200">
+        <a:defRPr sz="1500" kern="1200">
+          <a:solidFill>
+            <a:schemeClr val="tx1"/>
+          </a:solidFill>
+          <a:latin typeface="+mn-lt"/>
+          <a:ea typeface="+mn-ea"/>
+          <a:cs typeface="+mn-cs"/>
+        </a:defRPr>
+      </a:lvl3pPr>
+      <a:lvl4pPr marL="1200150" indent="-171450" algn="l" defTabSz="685800" rtl="0" eaLnBrk="1" latinLnBrk="0" hangingPunct="1">
+        <a:lnSpc>
+          <a:spcPct val="90000"/>
+        </a:lnSpc>
+        <a:spcBef>
+          <a:spcPts val="375"/>
+        </a:spcBef>
+        <a:buFont typeface="Arial" panose="020B0604020202020204" pitchFamily="34" charset="0"/>
+        <a:buChar char="•"/>
+        <a:defRPr sz="1350" kern="1200">
+          <a:solidFill>
+            <a:schemeClr val="tx1"/>
+          </a:solidFill>
+          <a:latin typeface="+mn-lt"/>
+          <a:ea typeface="+mn-ea"/>
+          <a:cs typeface="+mn-cs"/>
+        </a:defRPr>
+      </a:lvl4pPr>
+      <a:lvl5pPr marL="1543050" indent="-171450" algn="l" defTabSz="685800" rtl="0" eaLnBrk="1" latinLnBrk="0" hangingPunct="1">
+        <a:lnSpc>
+          <a:spcPct val="90000"/>
+        </a:lnSpc>
+        <a:spcBef>
+          <a:spcPts val="375"/>
+        </a:spcBef>
+        <a:buFont typeface="Arial" panose="020B0604020202020204" pitchFamily="34" charset="0"/>
+        <a:buChar char="•"/>
+        <a:defRPr sz="1350" kern="1200">
           <a:solidFill>
             <a:schemeClr val="tx1"/>
           </a:solidFill>
@@ -3081,16 +3081,16 @@
           <a:cs typeface="+mn-cs"/>
         </a:defRPr>
       </a:lvl5pPr>
-      <a:lvl6pPr marL="2514600" indent="-228600" algn="l" defTabSz="914400" rtl="0" eaLnBrk="1" latinLnBrk="0" hangingPunct="1">
+      <a:lvl6pPr marL="1885950" indent="-171450" algn="l" defTabSz="685800" rtl="0" eaLnBrk="1" latinLnBrk="0" hangingPunct="1">
         <a:lnSpc>
           <a:spcPct val="90000"/>
         </a:lnSpc>
         <a:spcBef>
-          <a:spcPts val="500"/>
+          <a:spcPts val="375"/>
         </a:spcBef>
         <a:buFont typeface="Arial" panose="020B0604020202020204" pitchFamily="34" charset="0"/>
         <a:buChar char="•"/>
-        <a:defRPr sz="1800" kern="1200">
+        <a:defRPr sz="1350" kern="1200">
           <a:solidFill>
             <a:schemeClr val="tx1"/>
           </a:solidFill>
@@ -3099,16 +3099,16 @@
           <a:cs typeface="+mn-cs"/>
         </a:defRPr>
       </a:lvl6pPr>
-      <a:lvl7pPr marL="2971800" indent="-228600" algn="l" defTabSz="914400" rtl="0" eaLnBrk="1" latinLnBrk="0" hangingPunct="1">
+      <a:lvl7pPr marL="2228850" indent="-171450" algn="l" defTabSz="685800" rtl="0" eaLnBrk="1" latinLnBrk="0" hangingPunct="1">
         <a:lnSpc>
           <a:spcPct val="90000"/>
         </a:lnSpc>
         <a:spcBef>
-          <a:spcPts val="500"/>
+          <a:spcPts val="375"/>
         </a:spcBef>
         <a:buFont typeface="Arial" panose="020B0604020202020204" pitchFamily="34" charset="0"/>
         <a:buChar char="•"/>
-        <a:defRPr sz="1800" kern="1200">
+        <a:defRPr sz="1350" kern="1200">
           <a:solidFill>
             <a:schemeClr val="tx1"/>
           </a:solidFill>
@@ -3117,16 +3117,16 @@
           <a:cs typeface="+mn-cs"/>
         </a:defRPr>
       </a:lvl7pPr>
-      <a:lvl8pPr marL="3429000" indent="-228600" algn="l" defTabSz="914400" rtl="0" eaLnBrk="1" latinLnBrk="0" hangingPunct="1">
+      <a:lvl8pPr marL="2571750" indent="-171450" algn="l" defTabSz="685800" rtl="0" eaLnBrk="1" latinLnBrk="0" hangingPunct="1">
         <a:lnSpc>
           <a:spcPct val="90000"/>
         </a:lnSpc>
         <a:spcBef>
-          <a:spcPts val="500"/>
+          <a:spcPts val="375"/>
         </a:spcBef>
         <a:buFont typeface="Arial" panose="020B0604020202020204" pitchFamily="34" charset="0"/>
         <a:buChar char="•"/>
-        <a:defRPr sz="1800" kern="1200">
+        <a:defRPr sz="1350" kern="1200">
           <a:solidFill>
             <a:schemeClr val="tx1"/>
           </a:solidFill>
@@ -3135,16 +3135,16 @@
           <a:cs typeface="+mn-cs"/>
         </a:defRPr>
       </a:lvl8pPr>
-      <a:lvl9pPr marL="3886200" indent="-228600" algn="l" defTabSz="914400" rtl="0" eaLnBrk="1" latinLnBrk="0" hangingPunct="1">
+      <a:lvl9pPr marL="2914650" indent="-171450" algn="l" defTabSz="685800" rtl="0" eaLnBrk="1" latinLnBrk="0" hangingPunct="1">
         <a:lnSpc>
           <a:spcPct val="90000"/>
         </a:lnSpc>
         <a:spcBef>
-          <a:spcPts val="500"/>
+          <a:spcPts val="375"/>
         </a:spcBef>
         <a:buFont typeface="Arial" panose="020B0604020202020204" pitchFamily="34" charset="0"/>
         <a:buChar char="•"/>
-        <a:defRPr sz="1800" kern="1200">
+        <a:defRPr sz="1350" kern="1200">
           <a:solidFill>
             <a:schemeClr val="tx1"/>
           </a:solidFill>
@@ -3158,8 +3158,8 @@
       <a:defPPr>
         <a:defRPr lang="en-US"/>
       </a:defPPr>
-      <a:lvl1pPr marL="0" algn="l" defTabSz="914400" rtl="0" eaLnBrk="1" latinLnBrk="0" hangingPunct="1">
-        <a:defRPr sz="1800" kern="1200">
+      <a:lvl1pPr marL="0" algn="l" defTabSz="685800" rtl="0" eaLnBrk="1" latinLnBrk="0" hangingPunct="1">
+        <a:defRPr sz="1350" kern="1200">
           <a:solidFill>
             <a:schemeClr val="tx1"/>
           </a:solidFill>
@@ -3168,8 +3168,8 @@
           <a:cs typeface="+mn-cs"/>
         </a:defRPr>
       </a:lvl1pPr>
-      <a:lvl2pPr marL="457200" algn="l" defTabSz="914400" rtl="0" eaLnBrk="1" latinLnBrk="0" hangingPunct="1">
-        <a:defRPr sz="1800" kern="1200">
+      <a:lvl2pPr marL="342900" algn="l" defTabSz="685800" rtl="0" eaLnBrk="1" latinLnBrk="0" hangingPunct="1">
+        <a:defRPr sz="1350" kern="1200">
           <a:solidFill>
             <a:schemeClr val="tx1"/>
           </a:solidFill>
@@ -3178,8 +3178,8 @@
           <a:cs typeface="+mn-cs"/>
         </a:defRPr>
       </a:lvl2pPr>
-      <a:lvl3pPr marL="914400" algn="l" defTabSz="914400" rtl="0" eaLnBrk="1" latinLnBrk="0" hangingPunct="1">
-        <a:defRPr sz="1800" kern="1200">
+      <a:lvl3pPr marL="685800" algn="l" defTabSz="685800" rtl="0" eaLnBrk="1" latinLnBrk="0" hangingPunct="1">
+        <a:defRPr sz="1350" kern="1200">
           <a:solidFill>
             <a:schemeClr val="tx1"/>
           </a:solidFill>
@@ -3188,8 +3188,8 @@
           <a:cs typeface="+mn-cs"/>
         </a:defRPr>
       </a:lvl3pPr>
-      <a:lvl4pPr marL="1371600" algn="l" defTabSz="914400" rtl="0" eaLnBrk="1" latinLnBrk="0" hangingPunct="1">
-        <a:defRPr sz="1800" kern="1200">
+      <a:lvl4pPr marL="1028700" algn="l" defTabSz="685800" rtl="0" eaLnBrk="1" latinLnBrk="0" hangingPunct="1">
+        <a:defRPr sz="1350" kern="1200">
           <a:solidFill>
             <a:schemeClr val="tx1"/>
           </a:solidFill>
@@ -3198,8 +3198,8 @@
           <a:cs typeface="+mn-cs"/>
         </a:defRPr>
       </a:lvl4pPr>
-      <a:lvl5pPr marL="1828800" algn="l" defTabSz="914400" rtl="0" eaLnBrk="1" latinLnBrk="0" hangingPunct="1">
-        <a:defRPr sz="1800" kern="1200">
+      <a:lvl5pPr marL="1371600" algn="l" defTabSz="685800" rtl="0" eaLnBrk="1" latinLnBrk="0" hangingPunct="1">
+        <a:defRPr sz="1350" kern="1200">
           <a:solidFill>
             <a:schemeClr val="tx1"/>
           </a:solidFill>
@@ -3208,8 +3208,8 @@
           <a:cs typeface="+mn-cs"/>
         </a:defRPr>
       </a:lvl5pPr>
-      <a:lvl6pPr marL="2286000" algn="l" defTabSz="914400" rtl="0" eaLnBrk="1" latinLnBrk="0" hangingPunct="1">
-        <a:defRPr sz="1800" kern="1200">
+      <a:lvl6pPr marL="1714500" algn="l" defTabSz="685800" rtl="0" eaLnBrk="1" latinLnBrk="0" hangingPunct="1">
+        <a:defRPr sz="1350" kern="1200">
           <a:solidFill>
             <a:schemeClr val="tx1"/>
           </a:solidFill>
@@ -3218,8 +3218,8 @@
           <a:cs typeface="+mn-cs"/>
         </a:defRPr>
       </a:lvl6pPr>
-      <a:lvl7pPr marL="2743200" algn="l" defTabSz="914400" rtl="0" eaLnBrk="1" latinLnBrk="0" hangingPunct="1">
-        <a:defRPr sz="1800" kern="1200">
+      <a:lvl7pPr marL="2057400" algn="l" defTabSz="685800" rtl="0" eaLnBrk="1" latinLnBrk="0" hangingPunct="1">
+        <a:defRPr sz="1350" kern="1200">
           <a:solidFill>
             <a:schemeClr val="tx1"/>
           </a:solidFill>
@@ -3228,8 +3228,8 @@
           <a:cs typeface="+mn-cs"/>
         </a:defRPr>
       </a:lvl7pPr>
-      <a:lvl8pPr marL="3200400" algn="l" defTabSz="914400" rtl="0" eaLnBrk="1" latinLnBrk="0" hangingPunct="1">
-        <a:defRPr sz="1800" kern="1200">
+      <a:lvl8pPr marL="2400300" algn="l" defTabSz="685800" rtl="0" eaLnBrk="1" latinLnBrk="0" hangingPunct="1">
+        <a:defRPr sz="1350" kern="1200">
           <a:solidFill>
             <a:schemeClr val="tx1"/>
           </a:solidFill>
@@ -3238,8 +3238,8 @@
           <a:cs typeface="+mn-cs"/>
         </a:defRPr>
       </a:lvl8pPr>
-      <a:lvl9pPr marL="3657600" algn="l" defTabSz="914400" rtl="0" eaLnBrk="1" latinLnBrk="0" hangingPunct="1">
-        <a:defRPr sz="1800" kern="1200">
+      <a:lvl9pPr marL="2743200" algn="l" defTabSz="685800" rtl="0" eaLnBrk="1" latinLnBrk="0" hangingPunct="1">
+        <a:defRPr sz="1350" kern="1200">
           <a:solidFill>
             <a:schemeClr val="tx1"/>
           </a:solidFill>
@@ -3272,21 +3272,172 @@
       </p:grpSpPr>
       <p:grpSp>
         <p:nvGrpSpPr>
-          <p:cNvPr id="5" name="Group 4"/>
+          <p:cNvPr id="3" name="Group 2"/>
           <p:cNvGrpSpPr/>
           <p:nvPr/>
         </p:nvGrpSpPr>
         <p:grpSpPr>
           <a:xfrm>
-            <a:off x="304800" y="838200"/>
-            <a:ext cx="4114800" cy="2514600"/>
-            <a:chOff x="-28575" y="1085208"/>
-            <a:chExt cx="4114800" cy="2514600"/>
+            <a:off x="685800" y="203200"/>
+            <a:ext cx="5486400" cy="4267200"/>
+            <a:chOff x="635001" y="4331854"/>
+            <a:chExt cx="5486400" cy="4267200"/>
+          </a:xfrm>
+        </p:grpSpPr>
+        <p:grpSp>
+          <p:nvGrpSpPr>
+            <p:cNvPr id="2" name="Group 1"/>
+            <p:cNvGrpSpPr/>
+            <p:nvPr/>
+          </p:nvGrpSpPr>
+          <p:grpSpPr>
+            <a:xfrm>
+              <a:off x="635001" y="5246254"/>
+              <a:ext cx="5486400" cy="3352800"/>
+              <a:chOff x="635001" y="5246254"/>
+              <a:chExt cx="5486400" cy="3352800"/>
+            </a:xfrm>
+          </p:grpSpPr>
+          <p:pic>
+            <p:nvPicPr>
+              <p:cNvPr id="4" name="Picture 3"/>
+              <p:cNvPicPr>
+                <a:picLocks noChangeAspect="1"/>
+              </p:cNvPicPr>
+              <p:nvPr/>
+            </p:nvPicPr>
+            <p:blipFill rotWithShape="1">
+              <a:blip r:embed="rId2">
+                <a:extLst>
+                  <a:ext uri="{28A0092B-C50C-407E-A947-70E740481C1C}">
+                    <a14:useLocalDpi xmlns:a14="http://schemas.microsoft.com/office/drawing/2010/main" val="0"/>
+                  </a:ext>
+                </a:extLst>
+              </a:blip>
+              <a:srcRect t="4167" b="4167"/>
+              <a:stretch/>
+            </p:blipFill>
+            <p:spPr>
+              <a:xfrm>
+                <a:off x="939801" y="5246254"/>
+                <a:ext cx="4876800" cy="3352800"/>
+              </a:xfrm>
+              <a:prstGeom prst="rect">
+                <a:avLst/>
+              </a:prstGeom>
+            </p:spPr>
+          </p:pic>
+          <p:sp>
+            <p:nvSpPr>
+              <p:cNvPr id="9" name="Rectangle 8"/>
+              <p:cNvSpPr/>
+              <p:nvPr/>
+            </p:nvSpPr>
+            <p:spPr>
+              <a:xfrm>
+                <a:off x="635001" y="5246254"/>
+                <a:ext cx="5486400" cy="3352800"/>
+              </a:xfrm>
+              <a:prstGeom prst="rect">
+                <a:avLst/>
+              </a:prstGeom>
+              <a:noFill/>
+              <a:ln>
+                <a:solidFill>
+                  <a:schemeClr val="tx1"/>
+                </a:solidFill>
+              </a:ln>
+            </p:spPr>
+            <p:style>
+              <a:lnRef idx="2">
+                <a:schemeClr val="accent1">
+                  <a:shade val="50000"/>
+                </a:schemeClr>
+              </a:lnRef>
+              <a:fillRef idx="1">
+                <a:schemeClr val="accent1"/>
+              </a:fillRef>
+              <a:effectRef idx="0">
+                <a:schemeClr val="accent1"/>
+              </a:effectRef>
+              <a:fontRef idx="minor">
+                <a:schemeClr val="lt1"/>
+              </a:fontRef>
+            </p:style>
+            <p:txBody>
+              <a:bodyPr rtlCol="0" anchor="ctr"/>
+              <a:lstStyle/>
+              <a:p>
+                <a:pPr algn="ctr"/>
+                <a:endParaRPr lang="en-US" sz="2400"/>
+              </a:p>
+            </p:txBody>
+          </p:sp>
+        </p:grpSp>
+        <p:sp>
+          <p:nvSpPr>
+            <p:cNvPr id="8" name="Rectangle 7"/>
+            <p:cNvSpPr/>
+            <p:nvPr/>
+          </p:nvSpPr>
+          <p:spPr>
+            <a:xfrm>
+              <a:off x="635001" y="4331854"/>
+              <a:ext cx="5486400" cy="4267200"/>
+            </a:xfrm>
+            <a:prstGeom prst="rect">
+              <a:avLst/>
+            </a:prstGeom>
+            <a:noFill/>
+            <a:ln w="12700">
+              <a:solidFill>
+                <a:schemeClr val="tx1"/>
+              </a:solidFill>
+            </a:ln>
+          </p:spPr>
+          <p:style>
+            <a:lnRef idx="2">
+              <a:schemeClr val="accent1">
+                <a:shade val="50000"/>
+              </a:schemeClr>
+            </a:lnRef>
+            <a:fillRef idx="1">
+              <a:schemeClr val="accent1"/>
+            </a:fillRef>
+            <a:effectRef idx="0">
+              <a:schemeClr val="accent1"/>
+            </a:effectRef>
+            <a:fontRef idx="minor">
+              <a:schemeClr val="lt1"/>
+            </a:fontRef>
+          </p:style>
+          <p:txBody>
+            <a:bodyPr rtlCol="0" anchor="ctr"/>
+            <a:lstStyle/>
+            <a:p>
+              <a:pPr algn="ctr"/>
+              <a:endParaRPr lang="en-US" sz="2400"/>
+            </a:p>
+          </p:txBody>
+        </p:sp>
+      </p:grpSp>
+      <p:grpSp>
+        <p:nvGrpSpPr>
+          <p:cNvPr id="34" name="Group 33"/>
+          <p:cNvGrpSpPr/>
+          <p:nvPr/>
+        </p:nvGrpSpPr>
+        <p:grpSpPr>
+          <a:xfrm>
+            <a:off x="685800" y="5588000"/>
+            <a:ext cx="5486400" cy="3352800"/>
+            <a:chOff x="635001" y="5246254"/>
+            <a:chExt cx="5486400" cy="3352800"/>
           </a:xfrm>
         </p:grpSpPr>
         <p:pic>
           <p:nvPicPr>
-            <p:cNvPr id="4" name="Picture 3"/>
+            <p:cNvPr id="36" name="Picture 35"/>
             <p:cNvPicPr>
               <a:picLocks noChangeAspect="1"/>
             </p:cNvPicPr>
@@ -3305,8 +3456,8 @@
           </p:blipFill>
           <p:spPr>
             <a:xfrm>
-              <a:off x="200025" y="1085208"/>
-              <a:ext cx="3657600" cy="2514600"/>
+              <a:off x="939801" y="5246254"/>
+              <a:ext cx="4876800" cy="3352800"/>
             </a:xfrm>
             <a:prstGeom prst="rect">
               <a:avLst/>
@@ -3315,14 +3466,14 @@
         </p:pic>
         <p:sp>
           <p:nvSpPr>
-            <p:cNvPr id="9" name="Rectangle 8"/>
+            <p:cNvPr id="37" name="Rectangle 36"/>
             <p:cNvSpPr/>
             <p:nvPr/>
           </p:nvSpPr>
           <p:spPr>
             <a:xfrm>
-              <a:off x="-28575" y="1085208"/>
-              <a:ext cx="4114800" cy="2514600"/>
+              <a:off x="635001" y="5246254"/>
+              <a:ext cx="5486400" cy="3352800"/>
             </a:xfrm>
             <a:prstGeom prst="rect">
               <a:avLst/>
@@ -3355,291 +3506,21 @@
             <a:lstStyle/>
             <a:p>
               <a:pPr algn="ctr"/>
-              <a:endParaRPr lang="en-US"/>
+              <a:endParaRPr lang="en-US" sz="2400"/>
             </a:p>
           </p:txBody>
         </p:sp>
       </p:grpSp>
-      <p:grpSp>
-        <p:nvGrpSpPr>
-          <p:cNvPr id="21" name="Group 20"/>
-          <p:cNvGrpSpPr/>
-          <p:nvPr/>
-        </p:nvGrpSpPr>
-        <p:grpSpPr>
-          <a:xfrm>
-            <a:off x="4724400" y="838200"/>
-            <a:ext cx="4114800" cy="2514600"/>
-            <a:chOff x="-28575" y="1085208"/>
-            <a:chExt cx="4114800" cy="2514600"/>
-          </a:xfrm>
-        </p:grpSpPr>
-        <p:pic>
-          <p:nvPicPr>
-            <p:cNvPr id="22" name="Picture 21"/>
-            <p:cNvPicPr>
-              <a:picLocks noChangeAspect="1"/>
-            </p:cNvPicPr>
-            <p:nvPr/>
-          </p:nvPicPr>
-          <p:blipFill rotWithShape="1">
-            <a:blip r:embed="rId2">
-              <a:extLst>
-                <a:ext uri="{28A0092B-C50C-407E-A947-70E740481C1C}">
-                  <a14:useLocalDpi xmlns:a14="http://schemas.microsoft.com/office/drawing/2010/main" val="0"/>
-                </a:ext>
-              </a:extLst>
-            </a:blip>
-            <a:srcRect t="4167" b="4167"/>
-            <a:stretch/>
-          </p:blipFill>
-          <p:spPr>
-            <a:xfrm>
-              <a:off x="200025" y="1085208"/>
-              <a:ext cx="3657600" cy="2514600"/>
-            </a:xfrm>
-            <a:prstGeom prst="rect">
-              <a:avLst/>
-            </a:prstGeom>
-          </p:spPr>
-        </p:pic>
-        <p:sp>
-          <p:nvSpPr>
-            <p:cNvPr id="23" name="Rectangle 22"/>
-            <p:cNvSpPr/>
-            <p:nvPr/>
-          </p:nvSpPr>
-          <p:spPr>
-            <a:xfrm>
-              <a:off x="-28575" y="1085208"/>
-              <a:ext cx="4114800" cy="2514600"/>
-            </a:xfrm>
-            <a:prstGeom prst="rect">
-              <a:avLst/>
-            </a:prstGeom>
-            <a:noFill/>
-            <a:ln>
-              <a:solidFill>
-                <a:schemeClr val="tx1"/>
-              </a:solidFill>
-            </a:ln>
-          </p:spPr>
-          <p:style>
-            <a:lnRef idx="2">
-              <a:schemeClr val="accent1">
-                <a:shade val="50000"/>
-              </a:schemeClr>
-            </a:lnRef>
-            <a:fillRef idx="1">
-              <a:schemeClr val="accent1"/>
-            </a:fillRef>
-            <a:effectRef idx="0">
-              <a:schemeClr val="accent1"/>
-            </a:effectRef>
-            <a:fontRef idx="minor">
-              <a:schemeClr val="lt1"/>
-            </a:fontRef>
-          </p:style>
-          <p:txBody>
-            <a:bodyPr rtlCol="0" anchor="ctr"/>
-            <a:lstStyle/>
-            <a:p>
-              <a:pPr algn="ctr"/>
-              <a:endParaRPr lang="en-US"/>
-            </a:p>
-          </p:txBody>
-        </p:sp>
-      </p:grpSp>
-      <p:grpSp>
-        <p:nvGrpSpPr>
-          <p:cNvPr id="26" name="Group 25"/>
-          <p:cNvGrpSpPr/>
-          <p:nvPr/>
-        </p:nvGrpSpPr>
-        <p:grpSpPr>
-          <a:xfrm>
-            <a:off x="304800" y="4191000"/>
-            <a:ext cx="4114800" cy="2514600"/>
-            <a:chOff x="-28575" y="1085208"/>
-            <a:chExt cx="4114800" cy="2514600"/>
-          </a:xfrm>
-        </p:grpSpPr>
-        <p:pic>
-          <p:nvPicPr>
-            <p:cNvPr id="27" name="Picture 26"/>
-            <p:cNvPicPr>
-              <a:picLocks noChangeAspect="1"/>
-            </p:cNvPicPr>
-            <p:nvPr/>
-          </p:nvPicPr>
-          <p:blipFill rotWithShape="1">
-            <a:blip r:embed="rId2">
-              <a:extLst>
-                <a:ext uri="{28A0092B-C50C-407E-A947-70E740481C1C}">
-                  <a14:useLocalDpi xmlns:a14="http://schemas.microsoft.com/office/drawing/2010/main" val="0"/>
-                </a:ext>
-              </a:extLst>
-            </a:blip>
-            <a:srcRect t="4167" b="4167"/>
-            <a:stretch/>
-          </p:blipFill>
-          <p:spPr>
-            <a:xfrm>
-              <a:off x="200025" y="1085208"/>
-              <a:ext cx="3657600" cy="2514600"/>
-            </a:xfrm>
-            <a:prstGeom prst="rect">
-              <a:avLst/>
-            </a:prstGeom>
-          </p:spPr>
-        </p:pic>
-        <p:sp>
-          <p:nvSpPr>
-            <p:cNvPr id="28" name="Rectangle 27"/>
-            <p:cNvSpPr/>
-            <p:nvPr/>
-          </p:nvSpPr>
-          <p:spPr>
-            <a:xfrm>
-              <a:off x="-28575" y="1085208"/>
-              <a:ext cx="4114800" cy="2514600"/>
-            </a:xfrm>
-            <a:prstGeom prst="rect">
-              <a:avLst/>
-            </a:prstGeom>
-            <a:noFill/>
-            <a:ln>
-              <a:solidFill>
-                <a:schemeClr val="tx1"/>
-              </a:solidFill>
-            </a:ln>
-          </p:spPr>
-          <p:style>
-            <a:lnRef idx="2">
-              <a:schemeClr val="accent1">
-                <a:shade val="50000"/>
-              </a:schemeClr>
-            </a:lnRef>
-            <a:fillRef idx="1">
-              <a:schemeClr val="accent1"/>
-            </a:fillRef>
-            <a:effectRef idx="0">
-              <a:schemeClr val="accent1"/>
-            </a:effectRef>
-            <a:fontRef idx="minor">
-              <a:schemeClr val="lt1"/>
-            </a:fontRef>
-          </p:style>
-          <p:txBody>
-            <a:bodyPr rtlCol="0" anchor="ctr"/>
-            <a:lstStyle/>
-            <a:p>
-              <a:pPr algn="ctr"/>
-              <a:endParaRPr lang="en-US"/>
-            </a:p>
-          </p:txBody>
-        </p:sp>
-      </p:grpSp>
-      <p:grpSp>
-        <p:nvGrpSpPr>
-          <p:cNvPr id="31" name="Group 30"/>
-          <p:cNvGrpSpPr/>
-          <p:nvPr/>
-        </p:nvGrpSpPr>
-        <p:grpSpPr>
-          <a:xfrm>
-            <a:off x="4724400" y="4191000"/>
-            <a:ext cx="4114800" cy="2514600"/>
-            <a:chOff x="-28575" y="1085208"/>
-            <a:chExt cx="4114800" cy="2514600"/>
-          </a:xfrm>
-        </p:grpSpPr>
-        <p:pic>
-          <p:nvPicPr>
-            <p:cNvPr id="32" name="Picture 31"/>
-            <p:cNvPicPr>
-              <a:picLocks noChangeAspect="1"/>
-            </p:cNvPicPr>
-            <p:nvPr/>
-          </p:nvPicPr>
-          <p:blipFill rotWithShape="1">
-            <a:blip r:embed="rId2">
-              <a:extLst>
-                <a:ext uri="{28A0092B-C50C-407E-A947-70E740481C1C}">
-                  <a14:useLocalDpi xmlns:a14="http://schemas.microsoft.com/office/drawing/2010/main" val="0"/>
-                </a:ext>
-              </a:extLst>
-            </a:blip>
-            <a:srcRect t="4167" b="4167"/>
-            <a:stretch/>
-          </p:blipFill>
-          <p:spPr>
-            <a:xfrm>
-              <a:off x="200025" y="1085208"/>
-              <a:ext cx="3657600" cy="2514600"/>
-            </a:xfrm>
-            <a:prstGeom prst="rect">
-              <a:avLst/>
-            </a:prstGeom>
-          </p:spPr>
-        </p:pic>
-        <p:sp>
-          <p:nvSpPr>
-            <p:cNvPr id="33" name="Rectangle 32"/>
-            <p:cNvSpPr/>
-            <p:nvPr/>
-          </p:nvSpPr>
-          <p:spPr>
-            <a:xfrm>
-              <a:off x="-28575" y="1085208"/>
-              <a:ext cx="4114800" cy="2514600"/>
-            </a:xfrm>
-            <a:prstGeom prst="rect">
-              <a:avLst/>
-            </a:prstGeom>
-            <a:noFill/>
-            <a:ln>
-              <a:solidFill>
-                <a:schemeClr val="tx1"/>
-              </a:solidFill>
-            </a:ln>
-          </p:spPr>
-          <p:style>
-            <a:lnRef idx="2">
-              <a:schemeClr val="accent1">
-                <a:shade val="50000"/>
-              </a:schemeClr>
-            </a:lnRef>
-            <a:fillRef idx="1">
-              <a:schemeClr val="accent1"/>
-            </a:fillRef>
-            <a:effectRef idx="0">
-              <a:schemeClr val="accent1"/>
-            </a:effectRef>
-            <a:fontRef idx="minor">
-              <a:schemeClr val="lt1"/>
-            </a:fontRef>
-          </p:style>
-          <p:txBody>
-            <a:bodyPr rtlCol="0" anchor="ctr"/>
-            <a:lstStyle/>
-            <a:p>
-              <a:pPr algn="ctr"/>
-              <a:endParaRPr lang="en-US"/>
-            </a:p>
-          </p:txBody>
-        </p:sp>
-      </p:grpSp>
-      <p:sp>
-        <p:nvSpPr>
-          <p:cNvPr id="8" name="Rectangle 7"/>
+      <p:sp>
+        <p:nvSpPr>
+          <p:cNvPr id="35" name="Rectangle 34"/>
           <p:cNvSpPr/>
           <p:nvPr/>
         </p:nvSpPr>
         <p:spPr>
           <a:xfrm>
-            <a:off x="304800" y="152400"/>
-            <a:ext cx="4114800" cy="3200400"/>
+            <a:off x="685800" y="4673600"/>
+            <a:ext cx="5486400" cy="4267200"/>
           </a:xfrm>
           <a:prstGeom prst="rect">
             <a:avLst/>
@@ -3672,145 +3553,7 @@
           <a:lstStyle/>
           <a:p>
             <a:pPr algn="ctr"/>
-            <a:endParaRPr lang="en-US"/>
-          </a:p>
-        </p:txBody>
-      </p:sp>
-      <p:sp>
-        <p:nvSpPr>
-          <p:cNvPr id="20" name="Rectangle 19"/>
-          <p:cNvSpPr/>
-          <p:nvPr/>
-        </p:nvSpPr>
-        <p:spPr>
-          <a:xfrm>
-            <a:off x="4724400" y="152400"/>
-            <a:ext cx="4114800" cy="3200400"/>
-          </a:xfrm>
-          <a:prstGeom prst="rect">
-            <a:avLst/>
-          </a:prstGeom>
-          <a:noFill/>
-          <a:ln w="12700">
-            <a:solidFill>
-              <a:schemeClr val="tx1"/>
-            </a:solidFill>
-          </a:ln>
-        </p:spPr>
-        <p:style>
-          <a:lnRef idx="2">
-            <a:schemeClr val="accent1">
-              <a:shade val="50000"/>
-            </a:schemeClr>
-          </a:lnRef>
-          <a:fillRef idx="1">
-            <a:schemeClr val="accent1"/>
-          </a:fillRef>
-          <a:effectRef idx="0">
-            <a:schemeClr val="accent1"/>
-          </a:effectRef>
-          <a:fontRef idx="minor">
-            <a:schemeClr val="lt1"/>
-          </a:fontRef>
-        </p:style>
-        <p:txBody>
-          <a:bodyPr rtlCol="0" anchor="ctr"/>
-          <a:lstStyle/>
-          <a:p>
-            <a:pPr algn="ctr"/>
-            <a:endParaRPr lang="en-US"/>
-          </a:p>
-        </p:txBody>
-      </p:sp>
-      <p:sp>
-        <p:nvSpPr>
-          <p:cNvPr id="25" name="Rectangle 24"/>
-          <p:cNvSpPr/>
-          <p:nvPr/>
-        </p:nvSpPr>
-        <p:spPr>
-          <a:xfrm>
-            <a:off x="304800" y="3505200"/>
-            <a:ext cx="4114800" cy="3200400"/>
-          </a:xfrm>
-          <a:prstGeom prst="rect">
-            <a:avLst/>
-          </a:prstGeom>
-          <a:noFill/>
-          <a:ln w="12700">
-            <a:solidFill>
-              <a:schemeClr val="tx1"/>
-            </a:solidFill>
-          </a:ln>
-        </p:spPr>
-        <p:style>
-          <a:lnRef idx="2">
-            <a:schemeClr val="accent1">
-              <a:shade val="50000"/>
-            </a:schemeClr>
-          </a:lnRef>
-          <a:fillRef idx="1">
-            <a:schemeClr val="accent1"/>
-          </a:fillRef>
-          <a:effectRef idx="0">
-            <a:schemeClr val="accent1"/>
-          </a:effectRef>
-          <a:fontRef idx="minor">
-            <a:schemeClr val="lt1"/>
-          </a:fontRef>
-        </p:style>
-        <p:txBody>
-          <a:bodyPr rtlCol="0" anchor="ctr"/>
-          <a:lstStyle/>
-          <a:p>
-            <a:pPr algn="ctr"/>
-            <a:endParaRPr lang="en-US"/>
-          </a:p>
-        </p:txBody>
-      </p:sp>
-      <p:sp>
-        <p:nvSpPr>
-          <p:cNvPr id="30" name="Rectangle 29"/>
-          <p:cNvSpPr/>
-          <p:nvPr/>
-        </p:nvSpPr>
-        <p:spPr>
-          <a:xfrm>
-            <a:off x="4724400" y="3505200"/>
-            <a:ext cx="4114800" cy="3200400"/>
-          </a:xfrm>
-          <a:prstGeom prst="rect">
-            <a:avLst/>
-          </a:prstGeom>
-          <a:noFill/>
-          <a:ln w="12700">
-            <a:solidFill>
-              <a:schemeClr val="tx1"/>
-            </a:solidFill>
-          </a:ln>
-        </p:spPr>
-        <p:style>
-          <a:lnRef idx="2">
-            <a:schemeClr val="accent1">
-              <a:shade val="50000"/>
-            </a:schemeClr>
-          </a:lnRef>
-          <a:fillRef idx="1">
-            <a:schemeClr val="accent1"/>
-          </a:fillRef>
-          <a:effectRef idx="0">
-            <a:schemeClr val="accent1"/>
-          </a:effectRef>
-          <a:fontRef idx="minor">
-            <a:schemeClr val="lt1"/>
-          </a:fontRef>
-        </p:style>
-        <p:txBody>
-          <a:bodyPr rtlCol="0" anchor="ctr"/>
-          <a:lstStyle/>
-          <a:p>
-            <a:pPr algn="ctr"/>
-            <a:endParaRPr lang="en-US"/>
+            <a:endParaRPr lang="en-US" sz="2400"/>
           </a:p>
         </p:txBody>
       </p:sp>
@@ -3853,21 +3596,172 @@
       </p:grpSpPr>
       <p:grpSp>
         <p:nvGrpSpPr>
-          <p:cNvPr id="5" name="Group 4"/>
+          <p:cNvPr id="3" name="Group 2"/>
           <p:cNvGrpSpPr/>
           <p:nvPr/>
         </p:nvGrpSpPr>
         <p:grpSpPr>
           <a:xfrm>
-            <a:off x="304800" y="838200"/>
-            <a:ext cx="4114800" cy="2514600"/>
-            <a:chOff x="-28575" y="1085208"/>
-            <a:chExt cx="4114800" cy="2514600"/>
+            <a:off x="685800" y="203200"/>
+            <a:ext cx="5486400" cy="4267200"/>
+            <a:chOff x="635001" y="4331854"/>
+            <a:chExt cx="5486400" cy="4267200"/>
+          </a:xfrm>
+        </p:grpSpPr>
+        <p:grpSp>
+          <p:nvGrpSpPr>
+            <p:cNvPr id="2" name="Group 1"/>
+            <p:cNvGrpSpPr/>
+            <p:nvPr/>
+          </p:nvGrpSpPr>
+          <p:grpSpPr>
+            <a:xfrm>
+              <a:off x="635001" y="5246254"/>
+              <a:ext cx="5486400" cy="3352800"/>
+              <a:chOff x="635001" y="5246254"/>
+              <a:chExt cx="5486400" cy="3352800"/>
+            </a:xfrm>
+          </p:grpSpPr>
+          <p:pic>
+            <p:nvPicPr>
+              <p:cNvPr id="4" name="Picture 3"/>
+              <p:cNvPicPr>
+                <a:picLocks noChangeAspect="1"/>
+              </p:cNvPicPr>
+              <p:nvPr/>
+            </p:nvPicPr>
+            <p:blipFill rotWithShape="1">
+              <a:blip r:embed="rId2">
+                <a:extLst>
+                  <a:ext uri="{28A0092B-C50C-407E-A947-70E740481C1C}">
+                    <a14:useLocalDpi xmlns:a14="http://schemas.microsoft.com/office/drawing/2010/main" val="0"/>
+                  </a:ext>
+                </a:extLst>
+              </a:blip>
+              <a:srcRect t="4167" b="4167"/>
+              <a:stretch/>
+            </p:blipFill>
+            <p:spPr>
+              <a:xfrm>
+                <a:off x="939801" y="5246254"/>
+                <a:ext cx="4876800" cy="3352800"/>
+              </a:xfrm>
+              <a:prstGeom prst="rect">
+                <a:avLst/>
+              </a:prstGeom>
+            </p:spPr>
+          </p:pic>
+          <p:sp>
+            <p:nvSpPr>
+              <p:cNvPr id="9" name="Rectangle 8"/>
+              <p:cNvSpPr/>
+              <p:nvPr/>
+            </p:nvSpPr>
+            <p:spPr>
+              <a:xfrm>
+                <a:off x="635001" y="5246254"/>
+                <a:ext cx="5486400" cy="3352800"/>
+              </a:xfrm>
+              <a:prstGeom prst="rect">
+                <a:avLst/>
+              </a:prstGeom>
+              <a:noFill/>
+              <a:ln>
+                <a:solidFill>
+                  <a:schemeClr val="tx1"/>
+                </a:solidFill>
+              </a:ln>
+            </p:spPr>
+            <p:style>
+              <a:lnRef idx="2">
+                <a:schemeClr val="accent1">
+                  <a:shade val="50000"/>
+                </a:schemeClr>
+              </a:lnRef>
+              <a:fillRef idx="1">
+                <a:schemeClr val="accent1"/>
+              </a:fillRef>
+              <a:effectRef idx="0">
+                <a:schemeClr val="accent1"/>
+              </a:effectRef>
+              <a:fontRef idx="minor">
+                <a:schemeClr val="lt1"/>
+              </a:fontRef>
+            </p:style>
+            <p:txBody>
+              <a:bodyPr rtlCol="0" anchor="ctr"/>
+              <a:lstStyle/>
+              <a:p>
+                <a:pPr algn="ctr"/>
+                <a:endParaRPr lang="en-US" sz="2400"/>
+              </a:p>
+            </p:txBody>
+          </p:sp>
+        </p:grpSp>
+        <p:sp>
+          <p:nvSpPr>
+            <p:cNvPr id="8" name="Rectangle 7"/>
+            <p:cNvSpPr/>
+            <p:nvPr/>
+          </p:nvSpPr>
+          <p:spPr>
+            <a:xfrm>
+              <a:off x="635001" y="4331854"/>
+              <a:ext cx="5486400" cy="4267200"/>
+            </a:xfrm>
+            <a:prstGeom prst="rect">
+              <a:avLst/>
+            </a:prstGeom>
+            <a:noFill/>
+            <a:ln w="12700">
+              <a:solidFill>
+                <a:schemeClr val="tx1"/>
+              </a:solidFill>
+            </a:ln>
+          </p:spPr>
+          <p:style>
+            <a:lnRef idx="2">
+              <a:schemeClr val="accent1">
+                <a:shade val="50000"/>
+              </a:schemeClr>
+            </a:lnRef>
+            <a:fillRef idx="1">
+              <a:schemeClr val="accent1"/>
+            </a:fillRef>
+            <a:effectRef idx="0">
+              <a:schemeClr val="accent1"/>
+            </a:effectRef>
+            <a:fontRef idx="minor">
+              <a:schemeClr val="lt1"/>
+            </a:fontRef>
+          </p:style>
+          <p:txBody>
+            <a:bodyPr rtlCol="0" anchor="ctr"/>
+            <a:lstStyle/>
+            <a:p>
+              <a:pPr algn="ctr"/>
+              <a:endParaRPr lang="en-US" sz="2400"/>
+            </a:p>
+          </p:txBody>
+        </p:sp>
+      </p:grpSp>
+      <p:grpSp>
+        <p:nvGrpSpPr>
+          <p:cNvPr id="34" name="Group 33"/>
+          <p:cNvGrpSpPr/>
+          <p:nvPr/>
+        </p:nvGrpSpPr>
+        <p:grpSpPr>
+          <a:xfrm>
+            <a:off x="685800" y="5588000"/>
+            <a:ext cx="5486400" cy="3352800"/>
+            <a:chOff x="635001" y="5246254"/>
+            <a:chExt cx="5486400" cy="3352800"/>
           </a:xfrm>
         </p:grpSpPr>
         <p:pic>
           <p:nvPicPr>
-            <p:cNvPr id="4" name="Picture 3"/>
+            <p:cNvPr id="36" name="Picture 35"/>
             <p:cNvPicPr>
               <a:picLocks noChangeAspect="1"/>
             </p:cNvPicPr>
@@ -3886,8 +3780,8 @@
           </p:blipFill>
           <p:spPr>
             <a:xfrm>
-              <a:off x="200025" y="1085208"/>
-              <a:ext cx="3657600" cy="2514600"/>
+              <a:off x="939801" y="5246254"/>
+              <a:ext cx="4876800" cy="3352800"/>
             </a:xfrm>
             <a:prstGeom prst="rect">
               <a:avLst/>
@@ -3896,14 +3790,14 @@
         </p:pic>
         <p:sp>
           <p:nvSpPr>
-            <p:cNvPr id="9" name="Rectangle 8"/>
+            <p:cNvPr id="37" name="Rectangle 36"/>
             <p:cNvSpPr/>
             <p:nvPr/>
           </p:nvSpPr>
           <p:spPr>
             <a:xfrm>
-              <a:off x="-28575" y="1085208"/>
-              <a:ext cx="4114800" cy="2514600"/>
+              <a:off x="635001" y="5246254"/>
+              <a:ext cx="5486400" cy="3352800"/>
             </a:xfrm>
             <a:prstGeom prst="rect">
               <a:avLst/>
@@ -3936,291 +3830,21 @@
             <a:lstStyle/>
             <a:p>
               <a:pPr algn="ctr"/>
-              <a:endParaRPr lang="en-US"/>
+              <a:endParaRPr lang="en-US" sz="2400"/>
             </a:p>
           </p:txBody>
         </p:sp>
       </p:grpSp>
-      <p:grpSp>
-        <p:nvGrpSpPr>
-          <p:cNvPr id="21" name="Group 20"/>
-          <p:cNvGrpSpPr/>
-          <p:nvPr/>
-        </p:nvGrpSpPr>
-        <p:grpSpPr>
-          <a:xfrm>
-            <a:off x="4724400" y="838200"/>
-            <a:ext cx="4114800" cy="2514600"/>
-            <a:chOff x="-28575" y="1085208"/>
-            <a:chExt cx="4114800" cy="2514600"/>
-          </a:xfrm>
-        </p:grpSpPr>
-        <p:pic>
-          <p:nvPicPr>
-            <p:cNvPr id="22" name="Picture 21"/>
-            <p:cNvPicPr>
-              <a:picLocks noChangeAspect="1"/>
-            </p:cNvPicPr>
-            <p:nvPr/>
-          </p:nvPicPr>
-          <p:blipFill rotWithShape="1">
-            <a:blip r:embed="rId2">
-              <a:extLst>
-                <a:ext uri="{28A0092B-C50C-407E-A947-70E740481C1C}">
-                  <a14:useLocalDpi xmlns:a14="http://schemas.microsoft.com/office/drawing/2010/main" val="0"/>
-                </a:ext>
-              </a:extLst>
-            </a:blip>
-            <a:srcRect t="4167" b="4167"/>
-            <a:stretch/>
-          </p:blipFill>
-          <p:spPr>
-            <a:xfrm>
-              <a:off x="200025" y="1085208"/>
-              <a:ext cx="3657600" cy="2514600"/>
-            </a:xfrm>
-            <a:prstGeom prst="rect">
-              <a:avLst/>
-            </a:prstGeom>
-          </p:spPr>
-        </p:pic>
-        <p:sp>
-          <p:nvSpPr>
-            <p:cNvPr id="23" name="Rectangle 22"/>
-            <p:cNvSpPr/>
-            <p:nvPr/>
-          </p:nvSpPr>
-          <p:spPr>
-            <a:xfrm>
-              <a:off x="-28575" y="1085208"/>
-              <a:ext cx="4114800" cy="2514600"/>
-            </a:xfrm>
-            <a:prstGeom prst="rect">
-              <a:avLst/>
-            </a:prstGeom>
-            <a:noFill/>
-            <a:ln>
-              <a:solidFill>
-                <a:schemeClr val="tx1"/>
-              </a:solidFill>
-            </a:ln>
-          </p:spPr>
-          <p:style>
-            <a:lnRef idx="2">
-              <a:schemeClr val="accent1">
-                <a:shade val="50000"/>
-              </a:schemeClr>
-            </a:lnRef>
-            <a:fillRef idx="1">
-              <a:schemeClr val="accent1"/>
-            </a:fillRef>
-            <a:effectRef idx="0">
-              <a:schemeClr val="accent1"/>
-            </a:effectRef>
-            <a:fontRef idx="minor">
-              <a:schemeClr val="lt1"/>
-            </a:fontRef>
-          </p:style>
-          <p:txBody>
-            <a:bodyPr rtlCol="0" anchor="ctr"/>
-            <a:lstStyle/>
-            <a:p>
-              <a:pPr algn="ctr"/>
-              <a:endParaRPr lang="en-US"/>
-            </a:p>
-          </p:txBody>
-        </p:sp>
-      </p:grpSp>
-      <p:grpSp>
-        <p:nvGrpSpPr>
-          <p:cNvPr id="26" name="Group 25"/>
-          <p:cNvGrpSpPr/>
-          <p:nvPr/>
-        </p:nvGrpSpPr>
-        <p:grpSpPr>
-          <a:xfrm>
-            <a:off x="304800" y="4191000"/>
-            <a:ext cx="4114800" cy="2514600"/>
-            <a:chOff x="-28575" y="1085208"/>
-            <a:chExt cx="4114800" cy="2514600"/>
-          </a:xfrm>
-        </p:grpSpPr>
-        <p:pic>
-          <p:nvPicPr>
-            <p:cNvPr id="27" name="Picture 26"/>
-            <p:cNvPicPr>
-              <a:picLocks noChangeAspect="1"/>
-            </p:cNvPicPr>
-            <p:nvPr/>
-          </p:nvPicPr>
-          <p:blipFill rotWithShape="1">
-            <a:blip r:embed="rId2">
-              <a:extLst>
-                <a:ext uri="{28A0092B-C50C-407E-A947-70E740481C1C}">
-                  <a14:useLocalDpi xmlns:a14="http://schemas.microsoft.com/office/drawing/2010/main" val="0"/>
-                </a:ext>
-              </a:extLst>
-            </a:blip>
-            <a:srcRect t="4167" b="4167"/>
-            <a:stretch/>
-          </p:blipFill>
-          <p:spPr>
-            <a:xfrm>
-              <a:off x="200025" y="1085208"/>
-              <a:ext cx="3657600" cy="2514600"/>
-            </a:xfrm>
-            <a:prstGeom prst="rect">
-              <a:avLst/>
-            </a:prstGeom>
-          </p:spPr>
-        </p:pic>
-        <p:sp>
-          <p:nvSpPr>
-            <p:cNvPr id="28" name="Rectangle 27"/>
-            <p:cNvSpPr/>
-            <p:nvPr/>
-          </p:nvSpPr>
-          <p:spPr>
-            <a:xfrm>
-              <a:off x="-28575" y="1085208"/>
-              <a:ext cx="4114800" cy="2514600"/>
-            </a:xfrm>
-            <a:prstGeom prst="rect">
-              <a:avLst/>
-            </a:prstGeom>
-            <a:noFill/>
-            <a:ln>
-              <a:solidFill>
-                <a:schemeClr val="tx1"/>
-              </a:solidFill>
-            </a:ln>
-          </p:spPr>
-          <p:style>
-            <a:lnRef idx="2">
-              <a:schemeClr val="accent1">
-                <a:shade val="50000"/>
-              </a:schemeClr>
-            </a:lnRef>
-            <a:fillRef idx="1">
-              <a:schemeClr val="accent1"/>
-            </a:fillRef>
-            <a:effectRef idx="0">
-              <a:schemeClr val="accent1"/>
-            </a:effectRef>
-            <a:fontRef idx="minor">
-              <a:schemeClr val="lt1"/>
-            </a:fontRef>
-          </p:style>
-          <p:txBody>
-            <a:bodyPr rtlCol="0" anchor="ctr"/>
-            <a:lstStyle/>
-            <a:p>
-              <a:pPr algn="ctr"/>
-              <a:endParaRPr lang="en-US"/>
-            </a:p>
-          </p:txBody>
-        </p:sp>
-      </p:grpSp>
-      <p:grpSp>
-        <p:nvGrpSpPr>
-          <p:cNvPr id="31" name="Group 30"/>
-          <p:cNvGrpSpPr/>
-          <p:nvPr/>
-        </p:nvGrpSpPr>
-        <p:grpSpPr>
-          <a:xfrm>
-            <a:off x="4724400" y="4191000"/>
-            <a:ext cx="4114800" cy="2514600"/>
-            <a:chOff x="-28575" y="1085208"/>
-            <a:chExt cx="4114800" cy="2514600"/>
-          </a:xfrm>
-        </p:grpSpPr>
-        <p:pic>
-          <p:nvPicPr>
-            <p:cNvPr id="32" name="Picture 31"/>
-            <p:cNvPicPr>
-              <a:picLocks noChangeAspect="1"/>
-            </p:cNvPicPr>
-            <p:nvPr/>
-          </p:nvPicPr>
-          <p:blipFill rotWithShape="1">
-            <a:blip r:embed="rId2">
-              <a:extLst>
-                <a:ext uri="{28A0092B-C50C-407E-A947-70E740481C1C}">
-                  <a14:useLocalDpi xmlns:a14="http://schemas.microsoft.com/office/drawing/2010/main" val="0"/>
-                </a:ext>
-              </a:extLst>
-            </a:blip>
-            <a:srcRect t="4167" b="4167"/>
-            <a:stretch/>
-          </p:blipFill>
-          <p:spPr>
-            <a:xfrm>
-              <a:off x="200025" y="1085208"/>
-              <a:ext cx="3657600" cy="2514600"/>
-            </a:xfrm>
-            <a:prstGeom prst="rect">
-              <a:avLst/>
-            </a:prstGeom>
-          </p:spPr>
-        </p:pic>
-        <p:sp>
-          <p:nvSpPr>
-            <p:cNvPr id="33" name="Rectangle 32"/>
-            <p:cNvSpPr/>
-            <p:nvPr/>
-          </p:nvSpPr>
-          <p:spPr>
-            <a:xfrm>
-              <a:off x="-28575" y="1085208"/>
-              <a:ext cx="4114800" cy="2514600"/>
-            </a:xfrm>
-            <a:prstGeom prst="rect">
-              <a:avLst/>
-            </a:prstGeom>
-            <a:noFill/>
-            <a:ln>
-              <a:solidFill>
-                <a:schemeClr val="tx1"/>
-              </a:solidFill>
-            </a:ln>
-          </p:spPr>
-          <p:style>
-            <a:lnRef idx="2">
-              <a:schemeClr val="accent1">
-                <a:shade val="50000"/>
-              </a:schemeClr>
-            </a:lnRef>
-            <a:fillRef idx="1">
-              <a:schemeClr val="accent1"/>
-            </a:fillRef>
-            <a:effectRef idx="0">
-              <a:schemeClr val="accent1"/>
-            </a:effectRef>
-            <a:fontRef idx="minor">
-              <a:schemeClr val="lt1"/>
-            </a:fontRef>
-          </p:style>
-          <p:txBody>
-            <a:bodyPr rtlCol="0" anchor="ctr"/>
-            <a:lstStyle/>
-            <a:p>
-              <a:pPr algn="ctr"/>
-              <a:endParaRPr lang="en-US"/>
-            </a:p>
-          </p:txBody>
-        </p:sp>
-      </p:grpSp>
-      <p:sp>
-        <p:nvSpPr>
-          <p:cNvPr id="8" name="Rectangle 7"/>
+      <p:sp>
+        <p:nvSpPr>
+          <p:cNvPr id="35" name="Rectangle 34"/>
           <p:cNvSpPr/>
           <p:nvPr/>
         </p:nvSpPr>
         <p:spPr>
           <a:xfrm>
-            <a:off x="304800" y="152400"/>
-            <a:ext cx="4114800" cy="3200400"/>
+            <a:off x="685800" y="4673600"/>
+            <a:ext cx="5486400" cy="4267200"/>
           </a:xfrm>
           <a:prstGeom prst="rect">
             <a:avLst/>
@@ -4253,152 +3877,14 @@
           <a:lstStyle/>
           <a:p>
             <a:pPr algn="ctr"/>
-            <a:endParaRPr lang="en-US"/>
-          </a:p>
-        </p:txBody>
-      </p:sp>
-      <p:sp>
-        <p:nvSpPr>
-          <p:cNvPr id="20" name="Rectangle 19"/>
-          <p:cNvSpPr/>
-          <p:nvPr/>
-        </p:nvSpPr>
-        <p:spPr>
-          <a:xfrm>
-            <a:off x="4724400" y="152400"/>
-            <a:ext cx="4114800" cy="3200400"/>
-          </a:xfrm>
-          <a:prstGeom prst="rect">
-            <a:avLst/>
-          </a:prstGeom>
-          <a:noFill/>
-          <a:ln w="12700">
-            <a:solidFill>
-              <a:schemeClr val="tx1"/>
-            </a:solidFill>
-          </a:ln>
-        </p:spPr>
-        <p:style>
-          <a:lnRef idx="2">
-            <a:schemeClr val="accent1">
-              <a:shade val="50000"/>
-            </a:schemeClr>
-          </a:lnRef>
-          <a:fillRef idx="1">
-            <a:schemeClr val="accent1"/>
-          </a:fillRef>
-          <a:effectRef idx="0">
-            <a:schemeClr val="accent1"/>
-          </a:effectRef>
-          <a:fontRef idx="minor">
-            <a:schemeClr val="lt1"/>
-          </a:fontRef>
-        </p:style>
-        <p:txBody>
-          <a:bodyPr rtlCol="0" anchor="ctr"/>
-          <a:lstStyle/>
-          <a:p>
-            <a:pPr algn="ctr"/>
-            <a:endParaRPr lang="en-US"/>
-          </a:p>
-        </p:txBody>
-      </p:sp>
-      <p:sp>
-        <p:nvSpPr>
-          <p:cNvPr id="25" name="Rectangle 24"/>
-          <p:cNvSpPr/>
-          <p:nvPr/>
-        </p:nvSpPr>
-        <p:spPr>
-          <a:xfrm>
-            <a:off x="304800" y="3505200"/>
-            <a:ext cx="4114800" cy="3200400"/>
-          </a:xfrm>
-          <a:prstGeom prst="rect">
-            <a:avLst/>
-          </a:prstGeom>
-          <a:noFill/>
-          <a:ln w="12700">
-            <a:solidFill>
-              <a:schemeClr val="tx1"/>
-            </a:solidFill>
-          </a:ln>
-        </p:spPr>
-        <p:style>
-          <a:lnRef idx="2">
-            <a:schemeClr val="accent1">
-              <a:shade val="50000"/>
-            </a:schemeClr>
-          </a:lnRef>
-          <a:fillRef idx="1">
-            <a:schemeClr val="accent1"/>
-          </a:fillRef>
-          <a:effectRef idx="0">
-            <a:schemeClr val="accent1"/>
-          </a:effectRef>
-          <a:fontRef idx="minor">
-            <a:schemeClr val="lt1"/>
-          </a:fontRef>
-        </p:style>
-        <p:txBody>
-          <a:bodyPr rtlCol="0" anchor="ctr"/>
-          <a:lstStyle/>
-          <a:p>
-            <a:pPr algn="ctr"/>
-            <a:endParaRPr lang="en-US"/>
-          </a:p>
-        </p:txBody>
-      </p:sp>
-      <p:sp>
-        <p:nvSpPr>
-          <p:cNvPr id="30" name="Rectangle 29"/>
-          <p:cNvSpPr/>
-          <p:nvPr/>
-        </p:nvSpPr>
-        <p:spPr>
-          <a:xfrm>
-            <a:off x="4724400" y="3505200"/>
-            <a:ext cx="4114800" cy="3200400"/>
-          </a:xfrm>
-          <a:prstGeom prst="rect">
-            <a:avLst/>
-          </a:prstGeom>
-          <a:noFill/>
-          <a:ln w="12700">
-            <a:solidFill>
-              <a:schemeClr val="tx1"/>
-            </a:solidFill>
-          </a:ln>
-        </p:spPr>
-        <p:style>
-          <a:lnRef idx="2">
-            <a:schemeClr val="accent1">
-              <a:shade val="50000"/>
-            </a:schemeClr>
-          </a:lnRef>
-          <a:fillRef idx="1">
-            <a:schemeClr val="accent1"/>
-          </a:fillRef>
-          <a:effectRef idx="0">
-            <a:schemeClr val="accent1"/>
-          </a:effectRef>
-          <a:fontRef idx="minor">
-            <a:schemeClr val="lt1"/>
-          </a:fontRef>
-        </p:style>
-        <p:txBody>
-          <a:bodyPr rtlCol="0" anchor="ctr"/>
-          <a:lstStyle/>
-          <a:p>
-            <a:pPr algn="ctr"/>
-            <a:endParaRPr lang="en-US"/>
+            <a:endParaRPr lang="en-US" sz="2400"/>
           </a:p>
         </p:txBody>
       </p:sp>
     </p:spTree>
     <p:extLst>
       <p:ext uri="{BB962C8B-B14F-4D97-AF65-F5344CB8AC3E}">
-        <p14:creationId xmlns:p14="http://schemas.microsoft.com/office/powerpoint/2010/main" val="1444169891"/>
+        <p14:creationId xmlns:p14="http://schemas.microsoft.com/office/powerpoint/2010/main" val="104007878"/>
       </p:ext>
     </p:extLst>
   </p:cSld>
